--- a/documentation/Presentations/Angular the Basics.pptx
+++ b/documentation/Presentations/Angular the Basics.pptx
@@ -725,7 +725,7 @@
           <a:p>
             <a:fld id="{CCB8D670-0FFB-4F77-B77F-E96657E913BF}" type="datetimeFigureOut">
               <a:rPr lang="en-US" smtClean="0"/>
-              <a:t>1/12/2023</a:t>
+              <a:t>1/17/2023</a:t>
             </a:fld>
             <a:endParaRPr lang="en-US"/>
           </a:p>
@@ -838,7 +838,7 @@
           <a:p>
             <a:fld id="{CCB8D670-0FFB-4F77-B77F-E96657E913BF}" type="datetimeFigureOut">
               <a:rPr lang="en-US" smtClean="0"/>
-              <a:t>1/12/2023</a:t>
+              <a:t>1/17/2023</a:t>
             </a:fld>
             <a:endParaRPr lang="en-US"/>
           </a:p>
@@ -1033,7 +1033,7 @@
           <a:p>
             <a:fld id="{CCB8D670-0FFB-4F77-B77F-E96657E913BF}" type="datetimeFigureOut">
               <a:rPr lang="en-US" smtClean="0"/>
-              <a:t>1/12/2023</a:t>
+              <a:t>1/17/2023</a:t>
             </a:fld>
             <a:endParaRPr lang="en-US"/>
           </a:p>
@@ -1316,7 +1316,7 @@
           <a:p>
             <a:fld id="{CCB8D670-0FFB-4F77-B77F-E96657E913BF}" type="datetimeFigureOut">
               <a:rPr lang="en-US" smtClean="0"/>
-              <a:t>1/12/2023</a:t>
+              <a:t>1/17/2023</a:t>
             </a:fld>
             <a:endParaRPr lang="en-US"/>
           </a:p>
@@ -4243,7 +4243,7 @@
           <a:p>
             <a:fld id="{CCB8D670-0FFB-4F77-B77F-E96657E913BF}" type="datetimeFigureOut">
               <a:rPr lang="en-US" smtClean="0"/>
-              <a:t>1/12/2023</a:t>
+              <a:t>1/17/2023</a:t>
             </a:fld>
             <a:endParaRPr lang="en-US"/>
           </a:p>
@@ -6312,7 +6312,7 @@
           <a:p>
             <a:fld id="{CCB8D670-0FFB-4F77-B77F-E96657E913BF}" type="datetimeFigureOut">
               <a:rPr lang="en-US" smtClean="0"/>
-              <a:t>1/12/2023</a:t>
+              <a:t>1/17/2023</a:t>
             </a:fld>
             <a:endParaRPr lang="en-US"/>
           </a:p>
@@ -6726,7 +6726,7 @@
           <a:p>
             <a:fld id="{CCB8D670-0FFB-4F77-B77F-E96657E913BF}" type="datetimeFigureOut">
               <a:rPr lang="en-US" smtClean="0"/>
-              <a:t>1/12/2023</a:t>
+              <a:t>1/17/2023</a:t>
             </a:fld>
             <a:endParaRPr lang="en-US"/>
           </a:p>
@@ -6985,7 +6985,7 @@
           <a:p>
             <a:fld id="{CCB8D670-0FFB-4F77-B77F-E96657E913BF}" type="datetimeFigureOut">
               <a:rPr lang="en-US" smtClean="0"/>
-              <a:t>1/12/2023</a:t>
+              <a:t>1/17/2023</a:t>
             </a:fld>
             <a:endParaRPr lang="en-US"/>
           </a:p>
@@ -7260,7 +7260,7 @@
           <a:p>
             <a:fld id="{CCB8D670-0FFB-4F77-B77F-E96657E913BF}" type="datetimeFigureOut">
               <a:rPr lang="en-US" smtClean="0"/>
-              <a:t>1/12/2023</a:t>
+              <a:t>1/17/2023</a:t>
             </a:fld>
             <a:endParaRPr lang="en-US"/>
           </a:p>
@@ -7519,7 +7519,7 @@
           <a:p>
             <a:fld id="{CCB8D670-0FFB-4F77-B77F-E96657E913BF}" type="datetimeFigureOut">
               <a:rPr lang="en-US" smtClean="0"/>
-              <a:t>1/12/2023</a:t>
+              <a:t>1/17/2023</a:t>
             </a:fld>
             <a:endParaRPr lang="en-US"/>
           </a:p>
@@ -11987,7 +11987,7 @@
           <a:p>
             <a:fld id="{CCB8D670-0FFB-4F77-B77F-E96657E913BF}" type="datetimeFigureOut">
               <a:rPr lang="en-US" smtClean="0"/>
-              <a:t>1/12/2023</a:t>
+              <a:t>1/17/2023</a:t>
             </a:fld>
             <a:endParaRPr lang="en-US"/>
           </a:p>
@@ -15551,7 +15551,7 @@
           <a:p>
             <a:fld id="{CCB8D670-0FFB-4F77-B77F-E96657E913BF}" type="datetimeFigureOut">
               <a:rPr lang="en-US" smtClean="0"/>
-              <a:t>1/12/2023</a:t>
+              <a:t>1/17/2023</a:t>
             </a:fld>
             <a:endParaRPr lang="en-US"/>
           </a:p>
@@ -15664,7 +15664,7 @@
           <a:p>
             <a:fld id="{CCB8D670-0FFB-4F77-B77F-E96657E913BF}" type="datetimeFigureOut">
               <a:rPr lang="en-US" smtClean="0"/>
-              <a:t>1/12/2023</a:t>
+              <a:t>1/17/2023</a:t>
             </a:fld>
             <a:endParaRPr lang="en-US"/>
           </a:p>
@@ -15915,7 +15915,7 @@
           <a:p>
             <a:fld id="{CCB8D670-0FFB-4F77-B77F-E96657E913BF}" type="datetimeFigureOut">
               <a:rPr lang="en-US" smtClean="0"/>
-              <a:t>1/12/2023</a:t>
+              <a:t>1/17/2023</a:t>
             </a:fld>
             <a:endParaRPr lang="en-US"/>
           </a:p>
@@ -16268,7 +16268,7 @@
           <a:p>
             <a:fld id="{CCB8D670-0FFB-4F77-B77F-E96657E913BF}" type="datetimeFigureOut">
               <a:rPr lang="en-US" smtClean="0"/>
-              <a:t>1/12/2023</a:t>
+              <a:t>1/17/2023</a:t>
             </a:fld>
             <a:endParaRPr lang="en-US"/>
           </a:p>
@@ -18947,7 +18947,7 @@
           <a:p>
             <a:fld id="{CCB8D670-0FFB-4F77-B77F-E96657E913BF}" type="datetimeFigureOut">
               <a:rPr lang="en-US" smtClean="0"/>
-              <a:t>1/12/2023</a:t>
+              <a:t>1/17/2023</a:t>
             </a:fld>
             <a:endParaRPr lang="en-US"/>
           </a:p>
@@ -19546,7 +19546,7 @@
           <a:p>
             <a:fld id="{CCB8D670-0FFB-4F77-B77F-E96657E913BF}" type="datetimeFigureOut">
               <a:rPr lang="en-US" smtClean="0"/>
-              <a:t>1/12/2023</a:t>
+              <a:t>1/17/2023</a:t>
             </a:fld>
             <a:endParaRPr lang="en-US"/>
           </a:p>
@@ -20173,7 +20173,7 @@
           <a:p>
             <a:fld id="{CCB8D670-0FFB-4F77-B77F-E96657E913BF}" type="datetimeFigureOut">
               <a:rPr lang="en-US" smtClean="0"/>
-              <a:t>1/12/2023</a:t>
+              <a:t>1/17/2023</a:t>
             </a:fld>
             <a:endParaRPr lang="en-US"/>
           </a:p>
@@ -20416,7 +20416,7 @@
           <a:p>
             <a:fld id="{CCB8D670-0FFB-4F77-B77F-E96657E913BF}" type="datetimeFigureOut">
               <a:rPr lang="en-US" smtClean="0"/>
-              <a:t>1/12/2023</a:t>
+              <a:t>1/17/2023</a:t>
             </a:fld>
             <a:endParaRPr lang="en-US"/>
           </a:p>
@@ -20559,7 +20559,7 @@
           <a:p>
             <a:fld id="{CCB8D670-0FFB-4F77-B77F-E96657E913BF}" type="datetimeFigureOut">
               <a:rPr lang="en-US" smtClean="0"/>
-              <a:t>1/12/2023</a:t>
+              <a:t>1/17/2023</a:t>
             </a:fld>
             <a:endParaRPr lang="en-US"/>
           </a:p>
@@ -20952,7 +20952,7 @@
           <a:p>
             <a:fld id="{CCB8D670-0FFB-4F77-B77F-E96657E913BF}" type="datetimeFigureOut">
               <a:rPr lang="en-US" smtClean="0"/>
-              <a:t>1/12/2023</a:t>
+              <a:t>1/17/2023</a:t>
             </a:fld>
             <a:endParaRPr lang="en-US"/>
           </a:p>
@@ -21240,7 +21240,7 @@
           <a:p>
             <a:fld id="{CCB8D670-0FFB-4F77-B77F-E96657E913BF}" type="datetimeFigureOut">
               <a:rPr lang="en-US" smtClean="0"/>
-              <a:t>1/12/2023</a:t>
+              <a:t>1/17/2023</a:t>
             </a:fld>
             <a:endParaRPr lang="en-US"/>
           </a:p>
@@ -21515,7 +21515,7 @@
           <a:p>
             <a:fld id="{CCB8D670-0FFB-4F77-B77F-E96657E913BF}" type="datetimeFigureOut">
               <a:rPr lang="en-US" smtClean="0"/>
-              <a:t>1/12/2023</a:t>
+              <a:t>1/17/2023</a:t>
             </a:fld>
             <a:endParaRPr lang="en-US"/>
           </a:p>
@@ -21713,7 +21713,7 @@
           <a:p>
             <a:fld id="{CCB8D670-0FFB-4F77-B77F-E96657E913BF}" type="datetimeFigureOut">
               <a:rPr lang="en-US" smtClean="0"/>
-              <a:t>1/12/2023</a:t>
+              <a:t>1/17/2023</a:t>
             </a:fld>
             <a:endParaRPr lang="en-US"/>
           </a:p>
@@ -21921,7 +21921,7 @@
           <a:p>
             <a:fld id="{CCB8D670-0FFB-4F77-B77F-E96657E913BF}" type="datetimeFigureOut">
               <a:rPr lang="en-US" smtClean="0"/>
-              <a:t>1/12/2023</a:t>
+              <a:t>1/17/2023</a:t>
             </a:fld>
             <a:endParaRPr lang="en-US"/>
           </a:p>
@@ -22086,7 +22086,7 @@
           <a:p>
             <a:fld id="{E0B6B3D0-83B9-4E5C-A000-B628AE360ADB}" type="datetimeFigureOut">
               <a:rPr lang="en-US" smtClean="0"/>
-              <a:t>1/12/2023</a:t>
+              <a:t>1/17/2023</a:t>
             </a:fld>
             <a:endParaRPr lang="en-US"/>
           </a:p>
@@ -22728,7 +22728,7 @@
           <a:p>
             <a:fld id="{CCB8D670-0FFB-4F77-B77F-E96657E913BF}" type="datetimeFigureOut">
               <a:rPr lang="en-US" smtClean="0"/>
-              <a:t>1/12/2023</a:t>
+              <a:t>1/17/2023</a:t>
             </a:fld>
             <a:endParaRPr lang="en-US"/>
           </a:p>
@@ -23140,7 +23140,7 @@
           <a:p>
             <a:fld id="{CCB8D670-0FFB-4F77-B77F-E96657E913BF}" type="datetimeFigureOut">
               <a:rPr lang="en-US" smtClean="0"/>
-              <a:t>1/12/2023</a:t>
+              <a:t>1/17/2023</a:t>
             </a:fld>
             <a:endParaRPr lang="en-US"/>
           </a:p>
@@ -23281,7 +23281,7 @@
           <a:p>
             <a:fld id="{CCB8D670-0FFB-4F77-B77F-E96657E913BF}" type="datetimeFigureOut">
               <a:rPr lang="en-US" smtClean="0"/>
-              <a:t>1/12/2023</a:t>
+              <a:t>1/17/2023</a:t>
             </a:fld>
             <a:endParaRPr lang="en-US"/>
           </a:p>
@@ -23394,7 +23394,7 @@
           <a:p>
             <a:fld id="{CCB8D670-0FFB-4F77-B77F-E96657E913BF}" type="datetimeFigureOut">
               <a:rPr lang="en-US" smtClean="0"/>
-              <a:t>1/12/2023</a:t>
+              <a:t>1/17/2023</a:t>
             </a:fld>
             <a:endParaRPr lang="en-US"/>
           </a:p>
@@ -23507,7 +23507,7 @@
           <a:p>
             <a:fld id="{CCB8D670-0FFB-4F77-B77F-E96657E913BF}" type="datetimeFigureOut">
               <a:rPr lang="en-US" smtClean="0"/>
-              <a:t>1/12/2023</a:t>
+              <a:t>1/17/2023</a:t>
             </a:fld>
             <a:endParaRPr lang="en-US"/>
           </a:p>
@@ -23656,7 +23656,7 @@
           <a:p>
             <a:fld id="{CCB8D670-0FFB-4F77-B77F-E96657E913BF}" type="datetimeFigureOut">
               <a:rPr lang="en-US" smtClean="0"/>
-              <a:t>1/12/2023</a:t>
+              <a:t>1/17/2023</a:t>
             </a:fld>
             <a:endParaRPr lang="en-US"/>
           </a:p>
@@ -23949,7 +23949,7 @@
           <a:p>
             <a:fld id="{CCB8D670-0FFB-4F77-B77F-E96657E913BF}" type="datetimeFigureOut">
               <a:rPr lang="en-US" smtClean="0"/>
-              <a:t>1/12/2023</a:t>
+              <a:t>1/17/2023</a:t>
             </a:fld>
             <a:endParaRPr lang="en-US"/>
           </a:p>
@@ -25297,7 +25297,7 @@
         <p:spPr>
           <a:xfrm>
             <a:off x="962953" y="3253622"/>
-            <a:ext cx="4076536" cy="2800767"/>
+            <a:ext cx="4076536" cy="2554545"/>
           </a:xfrm>
           <a:prstGeom prst="rect">
             <a:avLst/>
@@ -25427,57 +25427,6 @@
                 <a:cs typeface="Arial" pitchFamily="34" charset="0"/>
               </a:rPr>
               <a:t>Property Binding</a:t>
-            </a:r>
-          </a:p>
-          <a:p>
-            <a:pPr marL="285750" indent="-285750" algn="just">
-              <a:buFont typeface="Arial" panose="020B0604020202020204" pitchFamily="34" charset="0"/>
-              <a:buChar char="•"/>
-            </a:pPr>
-            <a:r>
-              <a:rPr lang="en-US" altLang="ko-KR" sz="1600" dirty="0">
-                <a:solidFill>
-                  <a:schemeClr val="bg1"/>
-                </a:solidFill>
-                <a:cs typeface="Arial" pitchFamily="34" charset="0"/>
-              </a:rPr>
-              <a:t>Two-way </a:t>
-            </a:r>
-            <a:r>
-              <a:rPr lang="en-US" altLang="ko-KR" sz="1050" dirty="0">
-                <a:solidFill>
-                  <a:schemeClr val="bg1"/>
-                </a:solidFill>
-                <a:cs typeface="Arial" pitchFamily="34" charset="0"/>
-              </a:rPr>
-              <a:t>don’t do </a:t>
-            </a:r>
-            <a:r>
-              <a:rPr lang="en-US" altLang="ko-KR" sz="1050">
-                <a:solidFill>
-                  <a:schemeClr val="bg1"/>
-                </a:solidFill>
-                <a:cs typeface="Arial" pitchFamily="34" charset="0"/>
-              </a:rPr>
-              <a:t>this please (YET)</a:t>
-            </a:r>
-            <a:r>
-              <a:rPr lang="en-US" altLang="ko-KR" sz="1600">
-                <a:solidFill>
-                  <a:schemeClr val="bg1"/>
-                </a:solidFill>
-                <a:cs typeface="Arial" pitchFamily="34" charset="0"/>
-              </a:rPr>
-              <a:t> </a:t>
-            </a:r>
-            <a:r>
-              <a:rPr lang="en-US" altLang="ko-KR" sz="1600" dirty="0">
-                <a:solidFill>
-                  <a:schemeClr val="bg1"/>
-                </a:solidFill>
-                <a:cs typeface="Arial" pitchFamily="34" charset="0"/>
-              </a:rPr>
-              <a:t>Binding</a:t>
             </a:r>
           </a:p>
           <a:p>
@@ -25987,7 +25936,7 @@
         <p:spPr>
           <a:xfrm>
             <a:off x="962953" y="3253622"/>
-            <a:ext cx="4076536" cy="2031325"/>
+            <a:ext cx="4076536" cy="2277547"/>
           </a:xfrm>
           <a:prstGeom prst="rect">
             <a:avLst/>
@@ -26000,9 +25949,22 @@
           </a:bodyPr>
           <a:lstStyle/>
           <a:p>
-            <a:pPr marL="285750" indent="-285750" algn="just">
+            <a:pPr marL="285750" marR="0" lvl="0" indent="-285750" algn="just" defTabSz="914400" rtl="0" eaLnBrk="1" fontAlgn="auto" latinLnBrk="0" hangingPunct="1">
+              <a:lnSpc>
+                <a:spcPct val="100000"/>
+              </a:lnSpc>
+              <a:spcBef>
+                <a:spcPts val="0"/>
+              </a:spcBef>
+              <a:spcAft>
+                <a:spcPts val="0"/>
+              </a:spcAft>
+              <a:buClrTx/>
+              <a:buSzTx/>
               <a:buFont typeface="Arial" panose="020B0604020202020204" pitchFamily="34" charset="0"/>
               <a:buChar char="•"/>
+              <a:tabLst/>
+              <a:defRPr/>
             </a:pPr>
             <a:r>
               <a:rPr lang="en-US" altLang="ko-KR" sz="1600" dirty="0">
@@ -26015,9 +25977,22 @@
             </a:r>
           </a:p>
           <a:p>
-            <a:pPr marL="285750" indent="-285750" algn="just">
+            <a:pPr marL="285750" marR="0" lvl="0" indent="-285750" algn="just" defTabSz="914400" rtl="0" eaLnBrk="1" fontAlgn="auto" latinLnBrk="0" hangingPunct="1">
+              <a:lnSpc>
+                <a:spcPct val="100000"/>
+              </a:lnSpc>
+              <a:spcBef>
+                <a:spcPts val="0"/>
+              </a:spcBef>
+              <a:spcAft>
+                <a:spcPts val="0"/>
+              </a:spcAft>
+              <a:buClrTx/>
+              <a:buSzTx/>
               <a:buFont typeface="Arial" panose="020B0604020202020204" pitchFamily="34" charset="0"/>
               <a:buChar char="•"/>
+              <a:tabLst/>
+              <a:defRPr/>
             </a:pPr>
             <a:r>
               <a:rPr lang="en-US" altLang="ko-KR" sz="1600" dirty="0">
@@ -26037,6 +26012,62 @@
               </a:rPr>
               <a:t>Input, Output</a:t>
             </a:r>
+            <a:endParaRPr kumimoji="0" lang="en-US" altLang="ko-KR" sz="1600" b="0" i="0" u="none" strike="noStrike" kern="1200" cap="none" spc="0" normalizeH="0" baseline="0" noProof="0" dirty="0">
+              <a:ln>
+                <a:noFill/>
+              </a:ln>
+              <a:solidFill>
+                <a:prstClr val="white"/>
+              </a:solidFill>
+              <a:effectLst/>
+              <a:uLnTx/>
+              <a:uFillTx/>
+              <a:latin typeface="Calibri" panose="020F0502020204030204"/>
+              <a:ea typeface="맑은 고딕" panose="020B0503020000020004" pitchFamily="34" charset="-127"/>
+              <a:cs typeface="Arial" pitchFamily="34" charset="0"/>
+            </a:endParaRPr>
+          </a:p>
+          <a:p>
+            <a:pPr marL="285750" marR="0" lvl="0" indent="-285750" algn="just" defTabSz="914400" rtl="0" eaLnBrk="1" fontAlgn="auto" latinLnBrk="0" hangingPunct="1">
+              <a:lnSpc>
+                <a:spcPct val="100000"/>
+              </a:lnSpc>
+              <a:spcBef>
+                <a:spcPts val="0"/>
+              </a:spcBef>
+              <a:spcAft>
+                <a:spcPts val="0"/>
+              </a:spcAft>
+              <a:buClrTx/>
+              <a:buSzTx/>
+              <a:buFont typeface="Arial" panose="020B0604020202020204" pitchFamily="34" charset="0"/>
+              <a:buChar char="•"/>
+              <a:tabLst/>
+              <a:defRPr/>
+            </a:pPr>
+            <a:r>
+              <a:rPr kumimoji="0" lang="en-US" altLang="ko-KR" sz="1600" b="0" i="0" u="none" strike="noStrike" kern="1200" cap="none" spc="0" normalizeH="0" baseline="0" noProof="0" dirty="0">
+                <a:ln>
+                  <a:noFill/>
+                </a:ln>
+                <a:solidFill>
+                  <a:prstClr val="white"/>
+                </a:solidFill>
+                <a:effectLst/>
+                <a:uLnTx/>
+                <a:uFillTx/>
+                <a:latin typeface="Calibri" panose="020F0502020204030204"/>
+                <a:ea typeface="맑은 고딕" panose="020B0503020000020004" pitchFamily="34" charset="-127"/>
+                <a:cs typeface="Arial" pitchFamily="34" charset="0"/>
+              </a:rPr>
+              <a:t>Two-way Binding</a:t>
+            </a:r>
+            <a:endParaRPr lang="en-US" altLang="ko-KR" sz="1600" b="1" dirty="0">
+              <a:solidFill>
+                <a:schemeClr val="bg1"/>
+              </a:solidFill>
+              <a:cs typeface="Arial" pitchFamily="34" charset="0"/>
+            </a:endParaRPr>
           </a:p>
           <a:p>
             <a:pPr marL="285750" indent="-285750" algn="just">

--- a/documentation/Presentations/Angular the Basics.pptx
+++ b/documentation/Presentations/Angular the Basics.pptx
@@ -7,8 +7,11 @@
   <p:sldIdLst>
     <p:sldId id="258" r:id="rId2"/>
     <p:sldId id="305" r:id="rId3"/>
-    <p:sldId id="261" r:id="rId4"/>
-    <p:sldId id="303" r:id="rId5"/>
+    <p:sldId id="307" r:id="rId4"/>
+    <p:sldId id="306" r:id="rId5"/>
+    <p:sldId id="308" r:id="rId6"/>
+    <p:sldId id="309" r:id="rId7"/>
+    <p:sldId id="310" r:id="rId8"/>
   </p:sldIdLst>
   <p:sldSz cx="12192000" cy="6858000"/>
   <p:notesSz cx="6858000" cy="9144000"/>
@@ -725,7 +728,7 @@
           <a:p>
             <a:fld id="{CCB8D670-0FFB-4F77-B77F-E96657E913BF}" type="datetimeFigureOut">
               <a:rPr lang="en-US" smtClean="0"/>
-              <a:t>1/17/2023</a:t>
+              <a:t>1/19/2023</a:t>
             </a:fld>
             <a:endParaRPr lang="en-US"/>
           </a:p>
@@ -838,7 +841,7 @@
           <a:p>
             <a:fld id="{CCB8D670-0FFB-4F77-B77F-E96657E913BF}" type="datetimeFigureOut">
               <a:rPr lang="en-US" smtClean="0"/>
-              <a:t>1/17/2023</a:t>
+              <a:t>1/19/2023</a:t>
             </a:fld>
             <a:endParaRPr lang="en-US"/>
           </a:p>
@@ -1033,7 +1036,7 @@
           <a:p>
             <a:fld id="{CCB8D670-0FFB-4F77-B77F-E96657E913BF}" type="datetimeFigureOut">
               <a:rPr lang="en-US" smtClean="0"/>
-              <a:t>1/17/2023</a:t>
+              <a:t>1/19/2023</a:t>
             </a:fld>
             <a:endParaRPr lang="en-US"/>
           </a:p>
@@ -1316,7 +1319,7 @@
           <a:p>
             <a:fld id="{CCB8D670-0FFB-4F77-B77F-E96657E913BF}" type="datetimeFigureOut">
               <a:rPr lang="en-US" smtClean="0"/>
-              <a:t>1/17/2023</a:t>
+              <a:t>1/19/2023</a:t>
             </a:fld>
             <a:endParaRPr lang="en-US"/>
           </a:p>
@@ -4243,7 +4246,7 @@
           <a:p>
             <a:fld id="{CCB8D670-0FFB-4F77-B77F-E96657E913BF}" type="datetimeFigureOut">
               <a:rPr lang="en-US" smtClean="0"/>
-              <a:t>1/17/2023</a:t>
+              <a:t>1/19/2023</a:t>
             </a:fld>
             <a:endParaRPr lang="en-US"/>
           </a:p>
@@ -6312,7 +6315,7 @@
           <a:p>
             <a:fld id="{CCB8D670-0FFB-4F77-B77F-E96657E913BF}" type="datetimeFigureOut">
               <a:rPr lang="en-US" smtClean="0"/>
-              <a:t>1/17/2023</a:t>
+              <a:t>1/19/2023</a:t>
             </a:fld>
             <a:endParaRPr lang="en-US"/>
           </a:p>
@@ -6726,7 +6729,7 @@
           <a:p>
             <a:fld id="{CCB8D670-0FFB-4F77-B77F-E96657E913BF}" type="datetimeFigureOut">
               <a:rPr lang="en-US" smtClean="0"/>
-              <a:t>1/17/2023</a:t>
+              <a:t>1/19/2023</a:t>
             </a:fld>
             <a:endParaRPr lang="en-US"/>
           </a:p>
@@ -6985,7 +6988,7 @@
           <a:p>
             <a:fld id="{CCB8D670-0FFB-4F77-B77F-E96657E913BF}" type="datetimeFigureOut">
               <a:rPr lang="en-US" smtClean="0"/>
-              <a:t>1/17/2023</a:t>
+              <a:t>1/19/2023</a:t>
             </a:fld>
             <a:endParaRPr lang="en-US"/>
           </a:p>
@@ -7260,7 +7263,7 @@
           <a:p>
             <a:fld id="{CCB8D670-0FFB-4F77-B77F-E96657E913BF}" type="datetimeFigureOut">
               <a:rPr lang="en-US" smtClean="0"/>
-              <a:t>1/17/2023</a:t>
+              <a:t>1/19/2023</a:t>
             </a:fld>
             <a:endParaRPr lang="en-US"/>
           </a:p>
@@ -7519,7 +7522,7 @@
           <a:p>
             <a:fld id="{CCB8D670-0FFB-4F77-B77F-E96657E913BF}" type="datetimeFigureOut">
               <a:rPr lang="en-US" smtClean="0"/>
-              <a:t>1/17/2023</a:t>
+              <a:t>1/19/2023</a:t>
             </a:fld>
             <a:endParaRPr lang="en-US"/>
           </a:p>
@@ -11987,7 +11990,7 @@
           <a:p>
             <a:fld id="{CCB8D670-0FFB-4F77-B77F-E96657E913BF}" type="datetimeFigureOut">
               <a:rPr lang="en-US" smtClean="0"/>
-              <a:t>1/17/2023</a:t>
+              <a:t>1/19/2023</a:t>
             </a:fld>
             <a:endParaRPr lang="en-US"/>
           </a:p>
@@ -15551,7 +15554,7 @@
           <a:p>
             <a:fld id="{CCB8D670-0FFB-4F77-B77F-E96657E913BF}" type="datetimeFigureOut">
               <a:rPr lang="en-US" smtClean="0"/>
-              <a:t>1/17/2023</a:t>
+              <a:t>1/19/2023</a:t>
             </a:fld>
             <a:endParaRPr lang="en-US"/>
           </a:p>
@@ -15664,7 +15667,7 @@
           <a:p>
             <a:fld id="{CCB8D670-0FFB-4F77-B77F-E96657E913BF}" type="datetimeFigureOut">
               <a:rPr lang="en-US" smtClean="0"/>
-              <a:t>1/17/2023</a:t>
+              <a:t>1/19/2023</a:t>
             </a:fld>
             <a:endParaRPr lang="en-US"/>
           </a:p>
@@ -15915,7 +15918,7 @@
           <a:p>
             <a:fld id="{CCB8D670-0FFB-4F77-B77F-E96657E913BF}" type="datetimeFigureOut">
               <a:rPr lang="en-US" smtClean="0"/>
-              <a:t>1/17/2023</a:t>
+              <a:t>1/19/2023</a:t>
             </a:fld>
             <a:endParaRPr lang="en-US"/>
           </a:p>
@@ -16268,7 +16271,7 @@
           <a:p>
             <a:fld id="{CCB8D670-0FFB-4F77-B77F-E96657E913BF}" type="datetimeFigureOut">
               <a:rPr lang="en-US" smtClean="0"/>
-              <a:t>1/17/2023</a:t>
+              <a:t>1/19/2023</a:t>
             </a:fld>
             <a:endParaRPr lang="en-US"/>
           </a:p>
@@ -18947,7 +18950,7 @@
           <a:p>
             <a:fld id="{CCB8D670-0FFB-4F77-B77F-E96657E913BF}" type="datetimeFigureOut">
               <a:rPr lang="en-US" smtClean="0"/>
-              <a:t>1/17/2023</a:t>
+              <a:t>1/19/2023</a:t>
             </a:fld>
             <a:endParaRPr lang="en-US"/>
           </a:p>
@@ -19546,7 +19549,7 @@
           <a:p>
             <a:fld id="{CCB8D670-0FFB-4F77-B77F-E96657E913BF}" type="datetimeFigureOut">
               <a:rPr lang="en-US" smtClean="0"/>
-              <a:t>1/17/2023</a:t>
+              <a:t>1/19/2023</a:t>
             </a:fld>
             <a:endParaRPr lang="en-US"/>
           </a:p>
@@ -20173,7 +20176,7 @@
           <a:p>
             <a:fld id="{CCB8D670-0FFB-4F77-B77F-E96657E913BF}" type="datetimeFigureOut">
               <a:rPr lang="en-US" smtClean="0"/>
-              <a:t>1/17/2023</a:t>
+              <a:t>1/19/2023</a:t>
             </a:fld>
             <a:endParaRPr lang="en-US"/>
           </a:p>
@@ -20416,7 +20419,7 @@
           <a:p>
             <a:fld id="{CCB8D670-0FFB-4F77-B77F-E96657E913BF}" type="datetimeFigureOut">
               <a:rPr lang="en-US" smtClean="0"/>
-              <a:t>1/17/2023</a:t>
+              <a:t>1/19/2023</a:t>
             </a:fld>
             <a:endParaRPr lang="en-US"/>
           </a:p>
@@ -20559,7 +20562,7 @@
           <a:p>
             <a:fld id="{CCB8D670-0FFB-4F77-B77F-E96657E913BF}" type="datetimeFigureOut">
               <a:rPr lang="en-US" smtClean="0"/>
-              <a:t>1/17/2023</a:t>
+              <a:t>1/19/2023</a:t>
             </a:fld>
             <a:endParaRPr lang="en-US"/>
           </a:p>
@@ -20952,7 +20955,7 @@
           <a:p>
             <a:fld id="{CCB8D670-0FFB-4F77-B77F-E96657E913BF}" type="datetimeFigureOut">
               <a:rPr lang="en-US" smtClean="0"/>
-              <a:t>1/17/2023</a:t>
+              <a:t>1/19/2023</a:t>
             </a:fld>
             <a:endParaRPr lang="en-US"/>
           </a:p>
@@ -21240,7 +21243,7 @@
           <a:p>
             <a:fld id="{CCB8D670-0FFB-4F77-B77F-E96657E913BF}" type="datetimeFigureOut">
               <a:rPr lang="en-US" smtClean="0"/>
-              <a:t>1/17/2023</a:t>
+              <a:t>1/19/2023</a:t>
             </a:fld>
             <a:endParaRPr lang="en-US"/>
           </a:p>
@@ -21515,7 +21518,7 @@
           <a:p>
             <a:fld id="{CCB8D670-0FFB-4F77-B77F-E96657E913BF}" type="datetimeFigureOut">
               <a:rPr lang="en-US" smtClean="0"/>
-              <a:t>1/17/2023</a:t>
+              <a:t>1/19/2023</a:t>
             </a:fld>
             <a:endParaRPr lang="en-US"/>
           </a:p>
@@ -21713,7 +21716,7 @@
           <a:p>
             <a:fld id="{CCB8D670-0FFB-4F77-B77F-E96657E913BF}" type="datetimeFigureOut">
               <a:rPr lang="en-US" smtClean="0"/>
-              <a:t>1/17/2023</a:t>
+              <a:t>1/19/2023</a:t>
             </a:fld>
             <a:endParaRPr lang="en-US"/>
           </a:p>
@@ -21921,7 +21924,7 @@
           <a:p>
             <a:fld id="{CCB8D670-0FFB-4F77-B77F-E96657E913BF}" type="datetimeFigureOut">
               <a:rPr lang="en-US" smtClean="0"/>
-              <a:t>1/17/2023</a:t>
+              <a:t>1/19/2023</a:t>
             </a:fld>
             <a:endParaRPr lang="en-US"/>
           </a:p>
@@ -22086,7 +22089,7 @@
           <a:p>
             <a:fld id="{E0B6B3D0-83B9-4E5C-A000-B628AE360ADB}" type="datetimeFigureOut">
               <a:rPr lang="en-US" smtClean="0"/>
-              <a:t>1/17/2023</a:t>
+              <a:t>1/19/2023</a:t>
             </a:fld>
             <a:endParaRPr lang="en-US"/>
           </a:p>
@@ -22728,7 +22731,7 @@
           <a:p>
             <a:fld id="{CCB8D670-0FFB-4F77-B77F-E96657E913BF}" type="datetimeFigureOut">
               <a:rPr lang="en-US" smtClean="0"/>
-              <a:t>1/17/2023</a:t>
+              <a:t>1/19/2023</a:t>
             </a:fld>
             <a:endParaRPr lang="en-US"/>
           </a:p>
@@ -23140,7 +23143,7 @@
           <a:p>
             <a:fld id="{CCB8D670-0FFB-4F77-B77F-E96657E913BF}" type="datetimeFigureOut">
               <a:rPr lang="en-US" smtClean="0"/>
-              <a:t>1/17/2023</a:t>
+              <a:t>1/19/2023</a:t>
             </a:fld>
             <a:endParaRPr lang="en-US"/>
           </a:p>
@@ -23281,7 +23284,7 @@
           <a:p>
             <a:fld id="{CCB8D670-0FFB-4F77-B77F-E96657E913BF}" type="datetimeFigureOut">
               <a:rPr lang="en-US" smtClean="0"/>
-              <a:t>1/17/2023</a:t>
+              <a:t>1/19/2023</a:t>
             </a:fld>
             <a:endParaRPr lang="en-US"/>
           </a:p>
@@ -23394,7 +23397,7 @@
           <a:p>
             <a:fld id="{CCB8D670-0FFB-4F77-B77F-E96657E913BF}" type="datetimeFigureOut">
               <a:rPr lang="en-US" smtClean="0"/>
-              <a:t>1/17/2023</a:t>
+              <a:t>1/19/2023</a:t>
             </a:fld>
             <a:endParaRPr lang="en-US"/>
           </a:p>
@@ -23507,7 +23510,7 @@
           <a:p>
             <a:fld id="{CCB8D670-0FFB-4F77-B77F-E96657E913BF}" type="datetimeFigureOut">
               <a:rPr lang="en-US" smtClean="0"/>
-              <a:t>1/17/2023</a:t>
+              <a:t>1/19/2023</a:t>
             </a:fld>
             <a:endParaRPr lang="en-US"/>
           </a:p>
@@ -23656,7 +23659,7 @@
           <a:p>
             <a:fld id="{CCB8D670-0FFB-4F77-B77F-E96657E913BF}" type="datetimeFigureOut">
               <a:rPr lang="en-US" smtClean="0"/>
-              <a:t>1/17/2023</a:t>
+              <a:t>1/19/2023</a:t>
             </a:fld>
             <a:endParaRPr lang="en-US"/>
           </a:p>
@@ -23949,7 +23952,7 @@
           <a:p>
             <a:fld id="{CCB8D670-0FFB-4F77-B77F-E96657E913BF}" type="datetimeFigureOut">
               <a:rPr lang="en-US" smtClean="0"/>
-              <a:t>1/17/2023</a:t>
+              <a:t>1/19/2023</a:t>
             </a:fld>
             <a:endParaRPr lang="en-US"/>
           </a:p>
@@ -25194,7 +25197,7 @@
           <a:bodyPr rtlCol="0" anchor="ctr"/>
           <a:lstStyle/>
           <a:p>
-            <a:endParaRPr lang="en-US"/>
+            <a:endParaRPr lang="en-US" dirty="0"/>
           </a:p>
         </p:txBody>
       </p:sp>
@@ -25212,8 +25215,8 @@
         </p:nvSpPr>
         <p:spPr>
           <a:xfrm>
-            <a:off x="578875" y="388892"/>
-            <a:ext cx="4268465" cy="2369880"/>
+            <a:off x="930628" y="1379025"/>
+            <a:ext cx="4268465" cy="1231106"/>
           </a:xfrm>
           <a:prstGeom prst="rect">
             <a:avLst/>
@@ -25234,19 +25237,7 @@
                 <a:latin typeface="Roboto Black" panose="02000000000000000000" pitchFamily="2" charset="0"/>
                 <a:ea typeface="Roboto Black" panose="02000000000000000000" pitchFamily="2" charset="0"/>
               </a:rPr>
-              <a:t>The </a:t>
-            </a:r>
-          </a:p>
-          <a:p>
-            <a:r>
-              <a:rPr lang="en-US" sz="6000" dirty="0">
-                <a:solidFill>
-                  <a:schemeClr val="bg1"/>
-                </a:solidFill>
-                <a:latin typeface="Roboto Black" panose="02000000000000000000" pitchFamily="2" charset="0"/>
-                <a:ea typeface="Roboto Black" panose="02000000000000000000" pitchFamily="2" charset="0"/>
-              </a:rPr>
-              <a:t>Basics</a:t>
+              <a:t>Angular</a:t>
             </a:r>
           </a:p>
           <a:p>
@@ -25258,19 +25249,7 @@
                 <a:latin typeface="Roboto Black" panose="02000000000000000000" pitchFamily="2" charset="0"/>
                 <a:ea typeface="Roboto Black" panose="02000000000000000000" pitchFamily="2" charset="0"/>
               </a:rPr>
-              <a:t>For developers new to Angular</a:t>
-            </a:r>
-          </a:p>
-          <a:p>
-            <a:r>
-              <a:rPr lang="en-US" sz="1400" dirty="0">
-                <a:solidFill>
-                  <a:schemeClr val="bg1"/>
-                </a:solidFill>
-                <a:latin typeface="Roboto Black" panose="02000000000000000000" pitchFamily="2" charset="0"/>
-                <a:ea typeface="Roboto Black" panose="02000000000000000000" pitchFamily="2" charset="0"/>
-              </a:rPr>
-              <a:t>and those of us with long term memory loss</a:t>
+              <a:t>Learn it. But why?</a:t>
             </a:r>
             <a:endParaRPr lang="en-US" sz="4400" dirty="0">
               <a:solidFill>
@@ -25296,8 +25275,8 @@
         </p:nvSpPr>
         <p:spPr>
           <a:xfrm>
-            <a:off x="962953" y="3253622"/>
-            <a:ext cx="4076536" cy="2554545"/>
+            <a:off x="930628" y="2610131"/>
+            <a:ext cx="9974451" cy="3293209"/>
           </a:xfrm>
           <a:prstGeom prst="rect">
             <a:avLst/>
@@ -25310,10 +25289,288 @@
           </a:bodyPr>
           <a:lstStyle/>
           <a:p>
-            <a:pPr marL="285750" indent="-285750" algn="just">
+            <a:pPr marL="285750" indent="-285750" algn="l">
               <a:buFont typeface="Arial" panose="020B0604020202020204" pitchFamily="34" charset="0"/>
               <a:buChar char="•"/>
             </a:pPr>
+            <a:r>
+              <a:rPr lang="en-US" sz="1600" b="1" i="0" dirty="0">
+                <a:solidFill>
+                  <a:srgbClr val="FFFFFF"/>
+                </a:solidFill>
+                <a:effectLst/>
+                <a:latin typeface="inherit"/>
+              </a:rPr>
+              <a:t>The problem: </a:t>
+            </a:r>
+          </a:p>
+          <a:p>
+            <a:pPr marL="742950" lvl="1" indent="-285750">
+              <a:buFont typeface="Arial" panose="020B0604020202020204" pitchFamily="34" charset="0"/>
+              <a:buChar char="•"/>
+            </a:pPr>
+            <a:r>
+              <a:rPr lang="en-US" sz="1600" i="0" dirty="0">
+                <a:solidFill>
+                  <a:srgbClr val="FFFFFF"/>
+                </a:solidFill>
+                <a:effectLst/>
+                <a:latin typeface="inherit"/>
+              </a:rPr>
+              <a:t>Navigating in traditional websites requires reload of non cached assets. Including unnecessary API calls. </a:t>
+            </a:r>
+          </a:p>
+          <a:p>
+            <a:pPr marL="742950" lvl="1" indent="-285750">
+              <a:buFont typeface="Arial" panose="020B0604020202020204" pitchFamily="34" charset="0"/>
+              <a:buChar char="•"/>
+            </a:pPr>
+            <a:r>
+              <a:rPr lang="en-US" sz="1600" i="0" dirty="0">
+                <a:solidFill>
+                  <a:srgbClr val="FFFFFF"/>
+                </a:solidFill>
+                <a:effectLst/>
+                <a:latin typeface="inherit"/>
+              </a:rPr>
+              <a:t>JS and </a:t>
+            </a:r>
+            <a:r>
+              <a:rPr lang="en-US" sz="1600" i="0" dirty="0" err="1">
+                <a:solidFill>
+                  <a:srgbClr val="FFFFFF"/>
+                </a:solidFill>
+                <a:effectLst/>
+                <a:latin typeface="inherit"/>
+              </a:rPr>
+              <a:t>JQuery</a:t>
+            </a:r>
+            <a:r>
+              <a:rPr lang="en-US" sz="1600" i="0" dirty="0">
+                <a:solidFill>
+                  <a:srgbClr val="FFFFFF"/>
+                </a:solidFill>
+                <a:effectLst/>
+                <a:latin typeface="inherit"/>
+              </a:rPr>
+              <a:t> are the bane of our professiona</a:t>
+            </a:r>
+            <a:r>
+              <a:rPr lang="en-US" sz="1600" dirty="0">
+                <a:solidFill>
+                  <a:srgbClr val="FFFFFF"/>
+                </a:solidFill>
+                <a:latin typeface="inherit"/>
+              </a:rPr>
+              <a:t>l existence. Why?</a:t>
+            </a:r>
+          </a:p>
+          <a:p>
+            <a:pPr marL="742950" lvl="1" indent="-285750">
+              <a:buFont typeface="Arial" panose="020B0604020202020204" pitchFamily="34" charset="0"/>
+              <a:buChar char="•"/>
+            </a:pPr>
+            <a:r>
+              <a:rPr lang="en-US" sz="1600" dirty="0">
+                <a:solidFill>
+                  <a:srgbClr val="FFFFFF"/>
+                </a:solidFill>
+                <a:latin typeface="inherit"/>
+              </a:rPr>
+              <a:t>Easier manipulation of the DOM</a:t>
+            </a:r>
+          </a:p>
+          <a:p>
+            <a:pPr marL="742950" lvl="1" indent="-285750">
+              <a:buFont typeface="Arial" panose="020B0604020202020204" pitchFamily="34" charset="0"/>
+              <a:buChar char="•"/>
+            </a:pPr>
+            <a:r>
+              <a:rPr lang="en-US" sz="1600" dirty="0">
+                <a:solidFill>
+                  <a:srgbClr val="FFFFFF"/>
+                </a:solidFill>
+                <a:latin typeface="inherit"/>
+              </a:rPr>
+              <a:t>Code reusability</a:t>
+            </a:r>
+          </a:p>
+          <a:p>
+            <a:pPr marL="742950" lvl="1" indent="-285750">
+              <a:buFont typeface="Arial" panose="020B0604020202020204" pitchFamily="34" charset="0"/>
+              <a:buChar char="•"/>
+            </a:pPr>
+            <a:r>
+              <a:rPr lang="en-US" sz="1600" dirty="0">
+                <a:solidFill>
+                  <a:srgbClr val="FFFFFF"/>
+                </a:solidFill>
+                <a:latin typeface="inherit"/>
+              </a:rPr>
+              <a:t>State Tracking</a:t>
+            </a:r>
+          </a:p>
+          <a:p>
+            <a:pPr marL="742950" lvl="1" indent="-285750">
+              <a:buFont typeface="Arial" panose="020B0604020202020204" pitchFamily="34" charset="0"/>
+              <a:buChar char="•"/>
+            </a:pPr>
+            <a:r>
+              <a:rPr lang="en-US" sz="1600" dirty="0">
+                <a:solidFill>
+                  <a:srgbClr val="FFFFFF"/>
+                </a:solidFill>
+                <a:latin typeface="inherit"/>
+              </a:rPr>
+              <a:t>Separation of concern. </a:t>
+            </a:r>
+          </a:p>
+          <a:p>
+            <a:pPr marL="742950" lvl="1" indent="-285750">
+              <a:buFont typeface="Arial" panose="020B0604020202020204" pitchFamily="34" charset="0"/>
+              <a:buChar char="•"/>
+            </a:pPr>
+            <a:r>
+              <a:rPr lang="en-US" sz="1600" i="0" dirty="0">
+                <a:solidFill>
+                  <a:srgbClr val="FFFFFF"/>
+                </a:solidFill>
+                <a:effectLst/>
+                <a:latin typeface="inherit"/>
+              </a:rPr>
+              <a:t>Better Architecture</a:t>
+            </a:r>
+          </a:p>
+          <a:p>
+            <a:pPr marL="285750" indent="-285750" algn="l">
+              <a:buFont typeface="Arial" panose="020B0604020202020204" pitchFamily="34" charset="0"/>
+              <a:buChar char="•"/>
+            </a:pPr>
+            <a:r>
+              <a:rPr lang="en-US" sz="1600" b="1" i="0" dirty="0">
+                <a:solidFill>
+                  <a:srgbClr val="FFFFFF"/>
+                </a:solidFill>
+                <a:effectLst/>
+                <a:latin typeface="inherit"/>
+              </a:rPr>
+              <a:t>The solution: </a:t>
+            </a:r>
+          </a:p>
+          <a:p>
+            <a:pPr marL="742950" lvl="1" indent="-285750">
+              <a:buFont typeface="Arial" panose="020B0604020202020204" pitchFamily="34" charset="0"/>
+              <a:buChar char="•"/>
+            </a:pPr>
+            <a:r>
+              <a:rPr lang="en-US" sz="1600" i="0" dirty="0">
+                <a:solidFill>
+                  <a:srgbClr val="FFFFFF"/>
+                </a:solidFill>
+                <a:effectLst/>
+                <a:latin typeface="inherit"/>
+              </a:rPr>
+              <a:t>Angular is a single page application</a:t>
+            </a:r>
+          </a:p>
+          <a:p>
+            <a:pPr marL="742950" lvl="1" indent="-285750">
+              <a:buFont typeface="Arial" panose="020B0604020202020204" pitchFamily="34" charset="0"/>
+              <a:buChar char="•"/>
+            </a:pPr>
+            <a:r>
+              <a:rPr lang="en-US" sz="1600" i="0" dirty="0">
+                <a:solidFill>
+                  <a:srgbClr val="FFFFFF"/>
+                </a:solidFill>
+                <a:effectLst/>
+                <a:latin typeface="inherit"/>
+              </a:rPr>
+              <a:t>Uses </a:t>
+            </a:r>
+            <a:r>
+              <a:rPr lang="en-US" sz="1600" i="0" dirty="0" err="1">
+                <a:solidFill>
+                  <a:srgbClr val="FFFFFF"/>
+                </a:solidFill>
+                <a:effectLst/>
+                <a:latin typeface="inherit"/>
+              </a:rPr>
+              <a:t>Typescipt</a:t>
+            </a:r>
+            <a:endParaRPr lang="en-US" sz="1600" i="0" dirty="0">
+              <a:solidFill>
+                <a:srgbClr val="FFFFFF"/>
+              </a:solidFill>
+              <a:effectLst/>
+              <a:latin typeface="inherit"/>
+            </a:endParaRPr>
+          </a:p>
+          <a:p>
+            <a:pPr marL="742950" lvl="1" indent="-285750">
+              <a:buFont typeface="Arial" panose="020B0604020202020204" pitchFamily="34" charset="0"/>
+              <a:buChar char="•"/>
+            </a:pPr>
+            <a:r>
+              <a:rPr lang="en-US" sz="1600" dirty="0">
+                <a:solidFill>
+                  <a:srgbClr val="FFFFFF"/>
+                </a:solidFill>
+                <a:latin typeface="inherit"/>
+              </a:rPr>
+              <a:t>Comes with an arsenal of solutions to the problems </a:t>
+            </a:r>
+          </a:p>
+          <a:p>
+            <a:pPr lvl="1"/>
+            <a:r>
+              <a:rPr lang="en-US" sz="1600" dirty="0">
+                <a:solidFill>
+                  <a:srgbClr val="FFFFFF"/>
+                </a:solidFill>
+                <a:latin typeface="inherit"/>
+              </a:rPr>
+              <a:t>above (which we will explore in the workshops)</a:t>
+            </a:r>
+            <a:endParaRPr lang="en-US" sz="1600" i="0" dirty="0">
+              <a:solidFill>
+                <a:srgbClr val="FFFFFF"/>
+              </a:solidFill>
+              <a:effectLst/>
+              <a:latin typeface="inherit"/>
+            </a:endParaRPr>
+          </a:p>
+        </p:txBody>
+      </p:sp>
+      <p:sp>
+        <p:nvSpPr>
+          <p:cNvPr id="2" name="TextBox 1">
+            <a:extLst>
+              <a:ext uri="{FF2B5EF4-FFF2-40B4-BE49-F238E27FC236}">
+                <a16:creationId xmlns:a16="http://schemas.microsoft.com/office/drawing/2014/main" id="{7D7A6FD9-5958-57A7-C5D1-4EA61BA57C01}"/>
+              </a:ext>
+            </a:extLst>
+          </p:cNvPr>
+          <p:cNvSpPr txBox="1"/>
+          <p:nvPr/>
+        </p:nvSpPr>
+        <p:spPr>
+          <a:xfrm>
+            <a:off x="7401583" y="6152628"/>
+            <a:ext cx="3744027" cy="584775"/>
+          </a:xfrm>
+          <a:prstGeom prst="rect">
+            <a:avLst/>
+          </a:prstGeom>
+          <a:noFill/>
+        </p:spPr>
+        <p:txBody>
+          <a:bodyPr wrap="square" rtlCol="0">
+            <a:spAutoFit/>
+          </a:bodyPr>
+          <a:lstStyle/>
+          <a:p>
+            <a:pPr algn="ctr"/>
             <a:r>
               <a:rPr lang="en-US" altLang="ko-KR" sz="1600" dirty="0">
                 <a:solidFill>
@@ -25321,238 +25578,7 @@
                 </a:solidFill>
                 <a:cs typeface="Arial" pitchFamily="34" charset="0"/>
               </a:rPr>
-              <a:t>Start the App</a:t>
-            </a:r>
-          </a:p>
-          <a:p>
-            <a:pPr marL="285750" indent="-285750" algn="just">
-              <a:buFont typeface="Arial" panose="020B0604020202020204" pitchFamily="34" charset="0"/>
-              <a:buChar char="•"/>
-            </a:pPr>
-            <a:r>
-              <a:rPr lang="en-US" altLang="ko-KR" sz="1600" dirty="0">
-                <a:solidFill>
-                  <a:schemeClr val="bg1"/>
-                </a:solidFill>
-                <a:cs typeface="Arial" pitchFamily="34" charset="0"/>
-              </a:rPr>
-              <a:t>Components HTML / CSS / TS</a:t>
-            </a:r>
-          </a:p>
-          <a:p>
-            <a:pPr marL="285750" indent="-285750" algn="just">
-              <a:buFont typeface="Arial" panose="020B0604020202020204" pitchFamily="34" charset="0"/>
-              <a:buChar char="•"/>
-            </a:pPr>
-            <a:r>
-              <a:rPr lang="en-US" altLang="ko-KR" sz="1600" dirty="0">
-                <a:solidFill>
-                  <a:schemeClr val="bg1"/>
-                </a:solidFill>
-                <a:cs typeface="Arial" pitchFamily="34" charset="0"/>
-              </a:rPr>
-              <a:t>Components Basic Lifecycle</a:t>
-            </a:r>
-          </a:p>
-          <a:p>
-            <a:pPr marL="285750" indent="-285750" algn="just">
-              <a:buFont typeface="Arial" panose="020B0604020202020204" pitchFamily="34" charset="0"/>
-              <a:buChar char="•"/>
-            </a:pPr>
-            <a:r>
-              <a:rPr lang="en-US" altLang="ko-KR" sz="1600" dirty="0">
-                <a:solidFill>
-                  <a:schemeClr val="bg1"/>
-                </a:solidFill>
-                <a:cs typeface="Arial" pitchFamily="34" charset="0"/>
-              </a:rPr>
-              <a:t>Routing</a:t>
-            </a:r>
-          </a:p>
-          <a:p>
-            <a:pPr marL="285750" indent="-285750" algn="just">
-              <a:buFont typeface="Arial" panose="020B0604020202020204" pitchFamily="34" charset="0"/>
-              <a:buChar char="•"/>
-            </a:pPr>
-            <a:r>
-              <a:rPr lang="en-US" altLang="ko-KR" sz="1600" dirty="0">
-                <a:solidFill>
-                  <a:schemeClr val="bg1"/>
-                </a:solidFill>
-                <a:cs typeface="Arial" pitchFamily="34" charset="0"/>
-              </a:rPr>
-              <a:t>Classes and Interfaces</a:t>
-            </a:r>
-          </a:p>
-          <a:p>
-            <a:pPr marL="285750" indent="-285750" algn="just">
-              <a:buFont typeface="Arial" panose="020B0604020202020204" pitchFamily="34" charset="0"/>
-              <a:buChar char="•"/>
-            </a:pPr>
-            <a:r>
-              <a:rPr lang="en-US" altLang="ko-KR" sz="1600" dirty="0">
-                <a:solidFill>
-                  <a:schemeClr val="bg1"/>
-                </a:solidFill>
-                <a:cs typeface="Arial" pitchFamily="34" charset="0"/>
-              </a:rPr>
-              <a:t>Environment</a:t>
-            </a:r>
-          </a:p>
-          <a:p>
-            <a:pPr marL="285750" indent="-285750" algn="just">
-              <a:buFont typeface="Arial" panose="020B0604020202020204" pitchFamily="34" charset="0"/>
-              <a:buChar char="•"/>
-            </a:pPr>
-            <a:r>
-              <a:rPr lang="en-US" altLang="ko-KR" sz="1600" dirty="0">
-                <a:solidFill>
-                  <a:schemeClr val="bg1"/>
-                </a:solidFill>
-                <a:cs typeface="Arial" pitchFamily="34" charset="0"/>
-              </a:rPr>
-              <a:t>Interpolation</a:t>
-            </a:r>
-          </a:p>
-          <a:p>
-            <a:pPr marL="285750" indent="-285750" algn="just">
-              <a:buFont typeface="Arial" panose="020B0604020202020204" pitchFamily="34" charset="0"/>
-              <a:buChar char="•"/>
-            </a:pPr>
-            <a:r>
-              <a:rPr lang="en-US" altLang="ko-KR" sz="1600" dirty="0">
-                <a:solidFill>
-                  <a:schemeClr val="bg1"/>
-                </a:solidFill>
-                <a:cs typeface="Arial" pitchFamily="34" charset="0"/>
-              </a:rPr>
-              <a:t>Property Binding</a:t>
-            </a:r>
-          </a:p>
-          <a:p>
-            <a:pPr marL="285750" indent="-285750" algn="just">
-              <a:buFont typeface="Arial" panose="020B0604020202020204" pitchFamily="34" charset="0"/>
-              <a:buChar char="•"/>
-            </a:pPr>
-            <a:r>
-              <a:rPr lang="en-US" altLang="ko-KR" sz="1600" dirty="0">
-                <a:solidFill>
-                  <a:schemeClr val="bg1"/>
-                </a:solidFill>
-                <a:cs typeface="Arial" pitchFamily="34" charset="0"/>
-              </a:rPr>
-              <a:t>Attribute Directives </a:t>
-            </a:r>
-            <a:r>
-              <a:rPr lang="en-US" altLang="ko-KR" sz="1400" dirty="0" err="1">
-                <a:solidFill>
-                  <a:srgbClr val="00B0F0"/>
-                </a:solidFill>
-                <a:cs typeface="Arial" pitchFamily="34" charset="0"/>
-              </a:rPr>
-              <a:t>NgClass</a:t>
-            </a:r>
-            <a:r>
-              <a:rPr lang="en-US" altLang="ko-KR" sz="1400" dirty="0">
-                <a:solidFill>
-                  <a:srgbClr val="00B0F0"/>
-                </a:solidFill>
-                <a:cs typeface="Arial" pitchFamily="34" charset="0"/>
-              </a:rPr>
-              <a:t>, </a:t>
-            </a:r>
-            <a:r>
-              <a:rPr lang="en-US" altLang="ko-KR" sz="1400" dirty="0" err="1">
-                <a:solidFill>
-                  <a:srgbClr val="00B0F0"/>
-                </a:solidFill>
-                <a:cs typeface="Arial" pitchFamily="34" charset="0"/>
-              </a:rPr>
-              <a:t>NgStyle</a:t>
-            </a:r>
-            <a:r>
-              <a:rPr lang="en-US" altLang="ko-KR" sz="1400" dirty="0">
-                <a:solidFill>
-                  <a:srgbClr val="00B0F0"/>
-                </a:solidFill>
-                <a:cs typeface="Arial" pitchFamily="34" charset="0"/>
-              </a:rPr>
-              <a:t>, </a:t>
-            </a:r>
-            <a:r>
-              <a:rPr lang="en-US" altLang="ko-KR" sz="1400" dirty="0" err="1">
-                <a:solidFill>
-                  <a:srgbClr val="00B0F0"/>
-                </a:solidFill>
-                <a:cs typeface="Arial" pitchFamily="34" charset="0"/>
-              </a:rPr>
-              <a:t>NgModel</a:t>
-            </a:r>
-            <a:endParaRPr lang="en-US" altLang="ko-KR" sz="1400" dirty="0">
-              <a:solidFill>
-                <a:schemeClr val="bg1"/>
-              </a:solidFill>
-              <a:cs typeface="Arial" pitchFamily="34" charset="0"/>
-            </a:endParaRPr>
-          </a:p>
-          <a:p>
-            <a:pPr marL="285750" indent="-285750" algn="just">
-              <a:buFont typeface="Arial" panose="020B0604020202020204" pitchFamily="34" charset="0"/>
-              <a:buChar char="•"/>
-            </a:pPr>
-            <a:r>
-              <a:rPr lang="en-US" altLang="ko-KR" sz="1600" dirty="0">
-                <a:solidFill>
-                  <a:schemeClr val="bg1"/>
-                </a:solidFill>
-                <a:cs typeface="Arial" pitchFamily="34" charset="0"/>
-              </a:rPr>
-              <a:t>Structural Directives </a:t>
-            </a:r>
-            <a:r>
-              <a:rPr lang="en-US" altLang="ko-KR" sz="1400" dirty="0" err="1">
-                <a:solidFill>
-                  <a:srgbClr val="00B0F0"/>
-                </a:solidFill>
-                <a:cs typeface="Arial" pitchFamily="34" charset="0"/>
-              </a:rPr>
-              <a:t>NgIf</a:t>
-            </a:r>
-            <a:r>
-              <a:rPr lang="en-US" altLang="ko-KR" sz="1400" dirty="0">
-                <a:solidFill>
-                  <a:srgbClr val="00B0F0"/>
-                </a:solidFill>
-                <a:cs typeface="Arial" pitchFamily="34" charset="0"/>
-              </a:rPr>
-              <a:t>, </a:t>
-            </a:r>
-            <a:r>
-              <a:rPr lang="en-US" altLang="ko-KR" sz="1400" dirty="0" err="1">
-                <a:solidFill>
-                  <a:srgbClr val="00B0F0"/>
-                </a:solidFill>
-                <a:cs typeface="Arial" pitchFamily="34" charset="0"/>
-              </a:rPr>
-              <a:t>NgFor</a:t>
-            </a:r>
-            <a:r>
-              <a:rPr lang="en-US" altLang="ko-KR" sz="1400" dirty="0">
-                <a:solidFill>
-                  <a:srgbClr val="00B0F0"/>
-                </a:solidFill>
-                <a:cs typeface="Arial" pitchFamily="34" charset="0"/>
-              </a:rPr>
-              <a:t>, </a:t>
-            </a:r>
-            <a:r>
-              <a:rPr lang="en-US" altLang="ko-KR" sz="1400" dirty="0" err="1">
-                <a:solidFill>
-                  <a:srgbClr val="00B0F0"/>
-                </a:solidFill>
-                <a:cs typeface="Arial" pitchFamily="34" charset="0"/>
-              </a:rPr>
-              <a:t>NgSwitch</a:t>
+              <a:t>Angular is a TypeScript-based open-source web application framework.</a:t>
             </a:r>
             <a:endParaRPr lang="ko-KR" altLang="en-US" sz="1600" dirty="0">
               <a:solidFill>
@@ -25563,152 +25589,10 @@
           </a:p>
         </p:txBody>
       </p:sp>
-      <p:sp>
-        <p:nvSpPr>
-          <p:cNvPr id="9" name="Text Placeholder 4">
-            <a:extLst>
-              <a:ext uri="{FF2B5EF4-FFF2-40B4-BE49-F238E27FC236}">
-                <a16:creationId xmlns:a16="http://schemas.microsoft.com/office/drawing/2014/main" id="{67CFC1CB-8160-4994-AEC6-CB42657B910F}"/>
-              </a:ext>
-            </a:extLst>
-          </p:cNvPr>
-          <p:cNvSpPr txBox="1">
-            <a:spLocks/>
-          </p:cNvSpPr>
-          <p:nvPr/>
-        </p:nvSpPr>
-        <p:spPr>
-          <a:xfrm>
-            <a:off x="962953" y="2765698"/>
-            <a:ext cx="1909868" cy="432048"/>
-          </a:xfrm>
-          <a:prstGeom prst="rect">
-            <a:avLst/>
-          </a:prstGeom>
-        </p:spPr>
-        <p:txBody>
-          <a:bodyPr vert="horz" lIns="91440" tIns="45720" rIns="91440" bIns="45720" rtlCol="0" anchor="ctr"/>
-          <a:lstStyle>
-            <a:defPPr>
-              <a:defRPr lang="en-US"/>
-            </a:defPPr>
-            <a:lvl1pPr marL="0" algn="r" defTabSz="914400" rtl="0" eaLnBrk="1" latinLnBrk="0" hangingPunct="1">
-              <a:defRPr sz="1200" kern="1200">
-                <a:solidFill>
-                  <a:schemeClr val="tx1">
-                    <a:tint val="75000"/>
-                  </a:schemeClr>
-                </a:solidFill>
-                <a:latin typeface="+mn-lt"/>
-                <a:ea typeface="+mn-ea"/>
-                <a:cs typeface="+mn-cs"/>
-              </a:defRPr>
-            </a:lvl1pPr>
-            <a:lvl2pPr marL="457200" algn="l" defTabSz="914400" rtl="0" eaLnBrk="1" latinLnBrk="0" hangingPunct="1">
-              <a:defRPr sz="1800" kern="1200">
-                <a:solidFill>
-                  <a:schemeClr val="tx1"/>
-                </a:solidFill>
-                <a:latin typeface="+mn-lt"/>
-                <a:ea typeface="+mn-ea"/>
-                <a:cs typeface="+mn-cs"/>
-              </a:defRPr>
-            </a:lvl2pPr>
-            <a:lvl3pPr marL="914400" algn="l" defTabSz="914400" rtl="0" eaLnBrk="1" latinLnBrk="0" hangingPunct="1">
-              <a:defRPr sz="1800" kern="1200">
-                <a:solidFill>
-                  <a:schemeClr val="tx1"/>
-                </a:solidFill>
-                <a:latin typeface="+mn-lt"/>
-                <a:ea typeface="+mn-ea"/>
-                <a:cs typeface="+mn-cs"/>
-              </a:defRPr>
-            </a:lvl3pPr>
-            <a:lvl4pPr marL="1371600" algn="l" defTabSz="914400" rtl="0" eaLnBrk="1" latinLnBrk="0" hangingPunct="1">
-              <a:defRPr sz="1800" kern="1200">
-                <a:solidFill>
-                  <a:schemeClr val="tx1"/>
-                </a:solidFill>
-                <a:latin typeface="+mn-lt"/>
-                <a:ea typeface="+mn-ea"/>
-                <a:cs typeface="+mn-cs"/>
-              </a:defRPr>
-            </a:lvl4pPr>
-            <a:lvl5pPr marL="1828800" algn="l" defTabSz="914400" rtl="0" eaLnBrk="1" latinLnBrk="0" hangingPunct="1">
-              <a:defRPr sz="1800" kern="1200">
-                <a:solidFill>
-                  <a:schemeClr val="tx1"/>
-                </a:solidFill>
-                <a:latin typeface="+mn-lt"/>
-                <a:ea typeface="+mn-ea"/>
-                <a:cs typeface="+mn-cs"/>
-              </a:defRPr>
-            </a:lvl5pPr>
-            <a:lvl6pPr marL="2286000" algn="l" defTabSz="914400" rtl="0" eaLnBrk="1" latinLnBrk="0" hangingPunct="1">
-              <a:defRPr sz="1800" kern="1200">
-                <a:solidFill>
-                  <a:schemeClr val="tx1"/>
-                </a:solidFill>
-                <a:latin typeface="+mn-lt"/>
-                <a:ea typeface="+mn-ea"/>
-                <a:cs typeface="+mn-cs"/>
-              </a:defRPr>
-            </a:lvl6pPr>
-            <a:lvl7pPr marL="2743200" algn="l" defTabSz="914400" rtl="0" eaLnBrk="1" latinLnBrk="0" hangingPunct="1">
-              <a:defRPr sz="1800" kern="1200">
-                <a:solidFill>
-                  <a:schemeClr val="tx1"/>
-                </a:solidFill>
-                <a:latin typeface="+mn-lt"/>
-                <a:ea typeface="+mn-ea"/>
-                <a:cs typeface="+mn-cs"/>
-              </a:defRPr>
-            </a:lvl7pPr>
-            <a:lvl8pPr marL="3200400" algn="l" defTabSz="914400" rtl="0" eaLnBrk="1" latinLnBrk="0" hangingPunct="1">
-              <a:defRPr sz="1800" kern="1200">
-                <a:solidFill>
-                  <a:schemeClr val="tx1"/>
-                </a:solidFill>
-                <a:latin typeface="+mn-lt"/>
-                <a:ea typeface="+mn-ea"/>
-                <a:cs typeface="+mn-cs"/>
-              </a:defRPr>
-            </a:lvl8pPr>
-            <a:lvl9pPr marL="3657600" algn="l" defTabSz="914400" rtl="0" eaLnBrk="1" latinLnBrk="0" hangingPunct="1">
-              <a:defRPr sz="1800" kern="1200">
-                <a:solidFill>
-                  <a:schemeClr val="tx1"/>
-                </a:solidFill>
-                <a:latin typeface="+mn-lt"/>
-                <a:ea typeface="+mn-ea"/>
-                <a:cs typeface="+mn-cs"/>
-              </a:defRPr>
-            </a:lvl9pPr>
-          </a:lstStyle>
-          <a:p>
-            <a:pPr algn="l">
-              <a:defRPr/>
-            </a:pPr>
-            <a:r>
-              <a:rPr lang="en-US" altLang="ko-KR" sz="2000" b="1" dirty="0">
-                <a:solidFill>
-                  <a:schemeClr val="bg1"/>
-                </a:solidFill>
-              </a:rPr>
-              <a:t>Overview</a:t>
-            </a:r>
-            <a:endParaRPr lang="en-US" altLang="ko-KR" sz="2400" b="1" dirty="0">
-              <a:solidFill>
-                <a:schemeClr val="bg1"/>
-              </a:solidFill>
-            </a:endParaRPr>
-          </a:p>
-        </p:txBody>
-      </p:sp>
     </p:spTree>
     <p:extLst>
       <p:ext uri="{BB962C8B-B14F-4D97-AF65-F5344CB8AC3E}">
-        <p14:creationId xmlns:p14="http://schemas.microsoft.com/office/powerpoint/2010/main" val="3581889788"/>
+        <p14:creationId xmlns:p14="http://schemas.microsoft.com/office/powerpoint/2010/main" val="52602474"/>
       </p:ext>
     </p:extLst>
   </p:cSld>
@@ -25761,7 +25645,7 @@
         </p:nvSpPr>
         <p:spPr>
           <a:xfrm>
-            <a:off x="3256899" y="0"/>
+            <a:off x="3239201" y="-4763"/>
             <a:ext cx="8610600" cy="6867525"/>
           </a:xfrm>
           <a:custGeom>
@@ -25833,7 +25717,7 @@
           <a:bodyPr rtlCol="0" anchor="ctr"/>
           <a:lstStyle/>
           <a:p>
-            <a:endParaRPr lang="en-US"/>
+            <a:endParaRPr lang="en-US" dirty="0"/>
           </a:p>
         </p:txBody>
       </p:sp>
@@ -25852,7 +25736,7 @@
         <p:spPr>
           <a:xfrm>
             <a:off x="578875" y="388892"/>
-            <a:ext cx="4268465" cy="2369880"/>
+            <a:ext cx="4268465" cy="1200329"/>
           </a:xfrm>
           <a:prstGeom prst="rect">
             <a:avLst/>
@@ -25866,58 +25750,15 @@
           <a:lstStyle/>
           <a:p>
             <a:r>
-              <a:rPr lang="en-US" sz="6000" dirty="0">
+              <a:rPr lang="en-US" sz="3600" dirty="0">
                 <a:solidFill>
                   <a:schemeClr val="bg1"/>
                 </a:solidFill>
                 <a:latin typeface="Roboto Black" panose="02000000000000000000" pitchFamily="2" charset="0"/>
                 <a:ea typeface="Roboto Black" panose="02000000000000000000" pitchFamily="2" charset="0"/>
               </a:rPr>
-              <a:t>The </a:t>
+              <a:t>Problem Definition and Solutions</a:t>
             </a:r>
-          </a:p>
-          <a:p>
-            <a:r>
-              <a:rPr lang="en-US" sz="6000" dirty="0">
-                <a:solidFill>
-                  <a:schemeClr val="bg1"/>
-                </a:solidFill>
-                <a:latin typeface="Roboto Black" panose="02000000000000000000" pitchFamily="2" charset="0"/>
-                <a:ea typeface="Roboto Black" panose="02000000000000000000" pitchFamily="2" charset="0"/>
-              </a:rPr>
-              <a:t>Basics</a:t>
-            </a:r>
-          </a:p>
-          <a:p>
-            <a:r>
-              <a:rPr lang="en-US" sz="1400" dirty="0">
-                <a:solidFill>
-                  <a:schemeClr val="bg1"/>
-                </a:solidFill>
-                <a:latin typeface="Roboto Black" panose="02000000000000000000" pitchFamily="2" charset="0"/>
-                <a:ea typeface="Roboto Black" panose="02000000000000000000" pitchFamily="2" charset="0"/>
-              </a:rPr>
-              <a:t>For developers new to Angular</a:t>
-            </a:r>
-          </a:p>
-          <a:p>
-            <a:r>
-              <a:rPr lang="en-US" sz="1400" dirty="0">
-                <a:solidFill>
-                  <a:schemeClr val="bg1"/>
-                </a:solidFill>
-                <a:latin typeface="Roboto Black" panose="02000000000000000000" pitchFamily="2" charset="0"/>
-                <a:ea typeface="Roboto Black" panose="02000000000000000000" pitchFamily="2" charset="0"/>
-              </a:rPr>
-              <a:t>and those of us with long term memory loss</a:t>
-            </a:r>
-            <a:endParaRPr lang="en-US" sz="4400" dirty="0">
-              <a:solidFill>
-                <a:schemeClr val="bg1"/>
-              </a:solidFill>
-              <a:latin typeface="Roboto Black" panose="02000000000000000000" pitchFamily="2" charset="0"/>
-              <a:ea typeface="Roboto Black" panose="02000000000000000000" pitchFamily="2" charset="0"/>
-            </a:endParaRPr>
           </a:p>
         </p:txBody>
       </p:sp>
@@ -25935,8 +25776,8 @@
         </p:nvSpPr>
         <p:spPr>
           <a:xfrm>
-            <a:off x="962953" y="3253622"/>
-            <a:ext cx="4076536" cy="2277547"/>
+            <a:off x="770803" y="1589221"/>
+            <a:ext cx="10842321" cy="4524315"/>
           </a:xfrm>
           <a:prstGeom prst="rect">
             <a:avLst/>
@@ -25949,7 +25790,1839 @@
           </a:bodyPr>
           <a:lstStyle/>
           <a:p>
-            <a:pPr marL="285750" marR="0" lvl="0" indent="-285750" algn="just" defTabSz="914400" rtl="0" eaLnBrk="1" fontAlgn="auto" latinLnBrk="0" hangingPunct="1">
+            <a:pPr algn="just"/>
+            <a:r>
+              <a:rPr lang="en-US" altLang="ko-KR" sz="1600" b="1" dirty="0">
+                <a:solidFill>
+                  <a:schemeClr val="bg1"/>
+                </a:solidFill>
+                <a:cs typeface="Arial" pitchFamily="34" charset="0"/>
+              </a:rPr>
+              <a:t>Components HTML / CSS / TS</a:t>
+            </a:r>
+          </a:p>
+          <a:p>
+            <a:pPr marL="742950" lvl="1" indent="-285750" algn="just">
+              <a:buFont typeface="Arial" panose="020B0604020202020204" pitchFamily="34" charset="0"/>
+              <a:buChar char="•"/>
+            </a:pPr>
+            <a:r>
+              <a:rPr lang="en-US" altLang="ko-KR" sz="1600" b="1" dirty="0">
+                <a:solidFill>
+                  <a:schemeClr val="bg1"/>
+                </a:solidFill>
+                <a:cs typeface="Arial" pitchFamily="34" charset="0"/>
+              </a:rPr>
+              <a:t>The problem:</a:t>
+            </a:r>
+            <a:r>
+              <a:rPr lang="en-US" altLang="ko-KR" sz="1600" dirty="0">
+                <a:solidFill>
+                  <a:schemeClr val="bg1"/>
+                </a:solidFill>
+                <a:cs typeface="Arial" pitchFamily="34" charset="0"/>
+              </a:rPr>
+              <a:t> Separate Markup, CSS and Code (typescript) and tests in an elegant way</a:t>
+            </a:r>
+          </a:p>
+          <a:p>
+            <a:pPr marL="742950" lvl="1" indent="-285750" algn="just">
+              <a:buFont typeface="Arial" panose="020B0604020202020204" pitchFamily="34" charset="0"/>
+              <a:buChar char="•"/>
+            </a:pPr>
+            <a:r>
+              <a:rPr lang="en-US" altLang="ko-KR" sz="1600" b="1" dirty="0">
+                <a:solidFill>
+                  <a:schemeClr val="bg1"/>
+                </a:solidFill>
+                <a:cs typeface="Arial" pitchFamily="34" charset="0"/>
+              </a:rPr>
+              <a:t>The solution:</a:t>
+            </a:r>
+            <a:r>
+              <a:rPr lang="en-US" altLang="ko-KR" sz="1600" dirty="0">
+                <a:solidFill>
+                  <a:schemeClr val="bg1"/>
+                </a:solidFill>
+                <a:cs typeface="Arial" pitchFamily="34" charset="0"/>
+              </a:rPr>
+              <a:t> Every component consists of a .html .</a:t>
+            </a:r>
+            <a:r>
+              <a:rPr lang="en-US" altLang="ko-KR" sz="1600" dirty="0" err="1">
+                <a:solidFill>
+                  <a:schemeClr val="bg1"/>
+                </a:solidFill>
+                <a:cs typeface="Arial" pitchFamily="34" charset="0"/>
+              </a:rPr>
+              <a:t>scss</a:t>
+            </a:r>
+            <a:r>
+              <a:rPr lang="en-US" altLang="ko-KR" sz="1600" dirty="0">
+                <a:solidFill>
+                  <a:schemeClr val="bg1"/>
+                </a:solidFill>
+                <a:cs typeface="Arial" pitchFamily="34" charset="0"/>
+              </a:rPr>
+              <a:t> (supports more) .</a:t>
+            </a:r>
+            <a:r>
+              <a:rPr lang="en-US" altLang="ko-KR" sz="1600" dirty="0" err="1">
+                <a:solidFill>
+                  <a:schemeClr val="bg1"/>
+                </a:solidFill>
+                <a:cs typeface="Arial" pitchFamily="34" charset="0"/>
+              </a:rPr>
+              <a:t>ts</a:t>
+            </a:r>
+            <a:r>
+              <a:rPr lang="en-US" altLang="ko-KR" sz="1600" dirty="0">
+                <a:solidFill>
+                  <a:schemeClr val="bg1"/>
+                </a:solidFill>
+                <a:cs typeface="Arial" pitchFamily="34" charset="0"/>
+              </a:rPr>
+              <a:t> and specific files for testing</a:t>
+            </a:r>
+          </a:p>
+          <a:p>
+            <a:pPr algn="just"/>
+            <a:endParaRPr lang="en-US" altLang="ko-KR" sz="1600" dirty="0">
+              <a:solidFill>
+                <a:schemeClr val="bg1"/>
+              </a:solidFill>
+              <a:cs typeface="Arial" pitchFamily="34" charset="0"/>
+            </a:endParaRPr>
+          </a:p>
+          <a:p>
+            <a:pPr algn="just"/>
+            <a:r>
+              <a:rPr lang="en-US" altLang="ko-KR" sz="1600" b="1" dirty="0">
+                <a:solidFill>
+                  <a:schemeClr val="bg1"/>
+                </a:solidFill>
+                <a:cs typeface="Arial" pitchFamily="34" charset="0"/>
+              </a:rPr>
+              <a:t>Components Basic Lifecycle</a:t>
+            </a:r>
+          </a:p>
+          <a:p>
+            <a:pPr marL="742950" lvl="1" indent="-285750" algn="just">
+              <a:buFont typeface="Arial" panose="020B0604020202020204" pitchFamily="34" charset="0"/>
+              <a:buChar char="•"/>
+            </a:pPr>
+            <a:r>
+              <a:rPr lang="en-US" altLang="ko-KR" sz="1600" b="1" dirty="0">
+                <a:solidFill>
+                  <a:schemeClr val="bg1"/>
+                </a:solidFill>
+                <a:cs typeface="Arial" pitchFamily="34" charset="0"/>
+              </a:rPr>
+              <a:t>The problem: </a:t>
+            </a:r>
+            <a:r>
+              <a:rPr lang="en-US" altLang="ko-KR" sz="1600" dirty="0">
+                <a:solidFill>
+                  <a:schemeClr val="bg1"/>
+                </a:solidFill>
+                <a:cs typeface="Arial" pitchFamily="34" charset="0"/>
+              </a:rPr>
+              <a:t>Allow the </a:t>
+            </a:r>
+            <a:r>
+              <a:rPr lang="en-US" altLang="ko-KR" sz="1600" dirty="0" err="1">
+                <a:solidFill>
+                  <a:schemeClr val="bg1"/>
+                </a:solidFill>
+                <a:cs typeface="Arial" pitchFamily="34" charset="0"/>
+              </a:rPr>
+              <a:t>devs</a:t>
+            </a:r>
+            <a:r>
+              <a:rPr lang="en-US" altLang="ko-KR" sz="1600" dirty="0">
+                <a:solidFill>
+                  <a:schemeClr val="bg1"/>
+                </a:solidFill>
+                <a:cs typeface="Arial" pitchFamily="34" charset="0"/>
+              </a:rPr>
+              <a:t> access to lifecycle events</a:t>
+            </a:r>
+          </a:p>
+          <a:p>
+            <a:pPr marL="742950" lvl="1" indent="-285750" algn="just">
+              <a:buFont typeface="Arial" panose="020B0604020202020204" pitchFamily="34" charset="0"/>
+              <a:buChar char="•"/>
+            </a:pPr>
+            <a:r>
+              <a:rPr lang="en-US" altLang="ko-KR" sz="1600" b="1" dirty="0">
+                <a:solidFill>
+                  <a:schemeClr val="bg1"/>
+                </a:solidFill>
+                <a:cs typeface="Arial" pitchFamily="34" charset="0"/>
+              </a:rPr>
+              <a:t>The solution: </a:t>
+            </a:r>
+            <a:r>
+              <a:rPr lang="en-US" altLang="ko-KR" sz="1600" dirty="0">
+                <a:solidFill>
+                  <a:schemeClr val="bg1"/>
+                </a:solidFill>
+                <a:cs typeface="Arial" pitchFamily="34" charset="0"/>
+              </a:rPr>
+              <a:t>Grant access to basic and advanced lifecycle hooks</a:t>
+            </a:r>
+          </a:p>
+          <a:p>
+            <a:pPr marL="1200150" lvl="2" indent="-285750" algn="just">
+              <a:buFont typeface="Arial" panose="020B0604020202020204" pitchFamily="34" charset="0"/>
+              <a:buChar char="•"/>
+            </a:pPr>
+            <a:r>
+              <a:rPr lang="en-US" altLang="ko-KR" sz="1600" dirty="0">
+                <a:solidFill>
+                  <a:schemeClr val="bg1"/>
+                </a:solidFill>
+                <a:cs typeface="Arial" pitchFamily="34" charset="0"/>
+              </a:rPr>
+              <a:t>Basic hooks</a:t>
+            </a:r>
+          </a:p>
+          <a:p>
+            <a:pPr marL="1657350" lvl="3" indent="-285750" algn="just">
+              <a:buFont typeface="Arial" panose="020B0604020202020204" pitchFamily="34" charset="0"/>
+              <a:buChar char="•"/>
+            </a:pPr>
+            <a:r>
+              <a:rPr lang="en-US" altLang="ko-KR" sz="1600" dirty="0" err="1">
+                <a:solidFill>
+                  <a:schemeClr val="bg1"/>
+                </a:solidFill>
+                <a:cs typeface="Arial" pitchFamily="34" charset="0"/>
+              </a:rPr>
+              <a:t>Contructor</a:t>
+            </a:r>
+            <a:endParaRPr lang="en-US" altLang="ko-KR" sz="1600" dirty="0">
+              <a:solidFill>
+                <a:schemeClr val="bg1"/>
+              </a:solidFill>
+              <a:cs typeface="Arial" pitchFamily="34" charset="0"/>
+            </a:endParaRPr>
+          </a:p>
+          <a:p>
+            <a:pPr marL="1657350" lvl="3" indent="-285750" algn="just">
+              <a:buFont typeface="Arial" panose="020B0604020202020204" pitchFamily="34" charset="0"/>
+              <a:buChar char="•"/>
+            </a:pPr>
+            <a:r>
+              <a:rPr lang="en-US" altLang="ko-KR" sz="1600" dirty="0" err="1">
+                <a:solidFill>
+                  <a:schemeClr val="bg1"/>
+                </a:solidFill>
+                <a:cs typeface="Arial" pitchFamily="34" charset="0"/>
+              </a:rPr>
+              <a:t>NgOnInit</a:t>
+            </a:r>
+            <a:endParaRPr lang="en-US" altLang="ko-KR" sz="1600" dirty="0">
+              <a:solidFill>
+                <a:schemeClr val="bg1"/>
+              </a:solidFill>
+              <a:cs typeface="Arial" pitchFamily="34" charset="0"/>
+            </a:endParaRPr>
+          </a:p>
+          <a:p>
+            <a:pPr marL="1657350" lvl="3" indent="-285750" algn="just">
+              <a:buFont typeface="Arial" panose="020B0604020202020204" pitchFamily="34" charset="0"/>
+              <a:buChar char="•"/>
+            </a:pPr>
+            <a:r>
+              <a:rPr lang="en-US" altLang="ko-KR" sz="1600" dirty="0" err="1">
+                <a:solidFill>
+                  <a:schemeClr val="bg1"/>
+                </a:solidFill>
+                <a:cs typeface="Arial" pitchFamily="34" charset="0"/>
+              </a:rPr>
+              <a:t>NgOnDestroy</a:t>
+            </a:r>
+            <a:endParaRPr lang="en-US" altLang="ko-KR" sz="1600" dirty="0">
+              <a:solidFill>
+                <a:schemeClr val="bg1"/>
+              </a:solidFill>
+              <a:cs typeface="Arial" pitchFamily="34" charset="0"/>
+            </a:endParaRPr>
+          </a:p>
+          <a:p>
+            <a:pPr lvl="1" algn="just"/>
+            <a:endParaRPr lang="en-US" altLang="ko-KR" sz="1600" dirty="0">
+              <a:solidFill>
+                <a:schemeClr val="bg1"/>
+              </a:solidFill>
+              <a:cs typeface="Arial" pitchFamily="34" charset="0"/>
+            </a:endParaRPr>
+          </a:p>
+          <a:p>
+            <a:pPr algn="just"/>
+            <a:r>
+              <a:rPr lang="en-US" altLang="ko-KR" sz="1600" b="1" dirty="0">
+                <a:solidFill>
+                  <a:schemeClr val="bg1"/>
+                </a:solidFill>
+                <a:cs typeface="Arial" pitchFamily="34" charset="0"/>
+              </a:rPr>
+              <a:t>Routing</a:t>
+            </a:r>
+          </a:p>
+          <a:p>
+            <a:pPr marL="742950" lvl="1" indent="-285750" algn="just">
+              <a:buFont typeface="Arial" panose="020B0604020202020204" pitchFamily="34" charset="0"/>
+              <a:buChar char="•"/>
+            </a:pPr>
+            <a:r>
+              <a:rPr lang="en-US" altLang="ko-KR" sz="1600" b="1" dirty="0">
+                <a:solidFill>
+                  <a:schemeClr val="bg1"/>
+                </a:solidFill>
+                <a:cs typeface="Arial" pitchFamily="34" charset="0"/>
+              </a:rPr>
+              <a:t>The problem:</a:t>
+            </a:r>
+            <a:r>
+              <a:rPr lang="en-US" altLang="ko-KR" sz="1600" dirty="0">
+                <a:solidFill>
+                  <a:schemeClr val="bg1"/>
+                </a:solidFill>
+                <a:cs typeface="Arial" pitchFamily="34" charset="0"/>
+              </a:rPr>
+              <a:t> How do we navigate in a SPA</a:t>
+            </a:r>
+          </a:p>
+          <a:p>
+            <a:pPr marL="742950" lvl="1" indent="-285750" algn="just">
+              <a:buFont typeface="Arial" panose="020B0604020202020204" pitchFamily="34" charset="0"/>
+              <a:buChar char="•"/>
+            </a:pPr>
+            <a:r>
+              <a:rPr lang="en-US" altLang="ko-KR" sz="1600" b="1" dirty="0">
+                <a:solidFill>
+                  <a:schemeClr val="bg1"/>
+                </a:solidFill>
+                <a:cs typeface="Arial" pitchFamily="34" charset="0"/>
+              </a:rPr>
+              <a:t>The solution: </a:t>
+            </a:r>
+          </a:p>
+          <a:p>
+            <a:pPr marL="1200150" lvl="2" indent="-285750" algn="just">
+              <a:buFont typeface="Arial" panose="020B0604020202020204" pitchFamily="34" charset="0"/>
+              <a:buChar char="•"/>
+            </a:pPr>
+            <a:r>
+              <a:rPr lang="en-US" altLang="ko-KR" sz="1600" dirty="0">
+                <a:solidFill>
+                  <a:schemeClr val="bg1"/>
+                </a:solidFill>
+                <a:cs typeface="Arial" pitchFamily="34" charset="0"/>
+              </a:rPr>
+              <a:t>Grant access to Router and Route</a:t>
+            </a:r>
+          </a:p>
+          <a:p>
+            <a:pPr marL="1200150" lvl="2" indent="-285750" algn="just">
+              <a:buFont typeface="Arial" panose="020B0604020202020204" pitchFamily="34" charset="0"/>
+              <a:buChar char="•"/>
+            </a:pPr>
+            <a:r>
+              <a:rPr lang="en-US" altLang="ko-KR" sz="1600" dirty="0">
+                <a:solidFill>
+                  <a:schemeClr val="bg1"/>
+                </a:solidFill>
+                <a:cs typeface="Arial" pitchFamily="34" charset="0"/>
+              </a:rPr>
+              <a:t>Be able to associate Routes (</a:t>
+            </a:r>
+            <a:r>
+              <a:rPr lang="en-US" altLang="ko-KR" sz="1600" dirty="0" err="1">
+                <a:solidFill>
+                  <a:schemeClr val="bg1"/>
+                </a:solidFill>
+                <a:cs typeface="Arial" pitchFamily="34" charset="0"/>
+              </a:rPr>
+              <a:t>urls</a:t>
+            </a:r>
+            <a:r>
+              <a:rPr lang="en-US" altLang="ko-KR" sz="1600" dirty="0">
+                <a:solidFill>
+                  <a:schemeClr val="bg1"/>
+                </a:solidFill>
+                <a:cs typeface="Arial" pitchFamily="34" charset="0"/>
+              </a:rPr>
+              <a:t>) to Components</a:t>
+            </a:r>
+          </a:p>
+          <a:p>
+            <a:pPr marL="742950" lvl="1" indent="-285750" algn="just">
+              <a:buFont typeface="Arial" panose="020B0604020202020204" pitchFamily="34" charset="0"/>
+              <a:buChar char="•"/>
+            </a:pPr>
+            <a:endParaRPr lang="en-US" altLang="ko-KR" sz="1600" dirty="0">
+              <a:solidFill>
+                <a:schemeClr val="bg1"/>
+              </a:solidFill>
+              <a:cs typeface="Arial" pitchFamily="34" charset="0"/>
+            </a:endParaRPr>
+          </a:p>
+        </p:txBody>
+      </p:sp>
+    </p:spTree>
+    <p:extLst>
+      <p:ext uri="{BB962C8B-B14F-4D97-AF65-F5344CB8AC3E}">
+        <p14:creationId xmlns:p14="http://schemas.microsoft.com/office/powerpoint/2010/main" val="3593930786"/>
+      </p:ext>
+    </p:extLst>
+  </p:cSld>
+  <p:clrMapOvr>
+    <a:masterClrMapping/>
+  </p:clrMapOvr>
+  <mc:AlternateContent xmlns:mc="http://schemas.openxmlformats.org/markup-compatibility/2006">
+    <mc:Choice xmlns:p159="http://schemas.microsoft.com/office/powerpoint/2015/09/main" Requires="p159">
+      <p:transition xmlns:p14="http://schemas.microsoft.com/office/powerpoint/2010/main" spd="slow" p14:dur="2000">
+        <p159:morph option="byObject"/>
+      </p:transition>
+    </mc:Choice>
+    <mc:Fallback>
+      <p:transition spd="slow">
+        <p:fade/>
+      </p:transition>
+    </mc:Fallback>
+  </mc:AlternateContent>
+</p:sld>
+</file>
+
+<file path=ppt/slides/slide5.xml><?xml version="1.0" encoding="utf-8"?>
+<p:sld xmlns:a="http://schemas.openxmlformats.org/drawingml/2006/main" xmlns:r="http://schemas.openxmlformats.org/officeDocument/2006/relationships" xmlns:p="http://schemas.openxmlformats.org/presentationml/2006/main">
+  <p:cSld>
+    <p:spTree>
+      <p:nvGrpSpPr>
+        <p:cNvPr id="1" name=""/>
+        <p:cNvGrpSpPr/>
+        <p:nvPr/>
+      </p:nvGrpSpPr>
+      <p:grpSpPr>
+        <a:xfrm>
+          <a:off x="0" y="0"/>
+          <a:ext cx="0" cy="0"/>
+          <a:chOff x="0" y="0"/>
+          <a:chExt cx="0" cy="0"/>
+        </a:xfrm>
+      </p:grpSpPr>
+      <p:sp>
+        <p:nvSpPr>
+          <p:cNvPr id="3" name="Freeform: Shape 2">
+            <a:extLst>
+              <a:ext uri="{FF2B5EF4-FFF2-40B4-BE49-F238E27FC236}">
+                <a16:creationId xmlns:a16="http://schemas.microsoft.com/office/drawing/2014/main" id="{C37F378E-A931-4F3A-8CC8-165F642E6F8E}"/>
+              </a:ext>
+            </a:extLst>
+          </p:cNvPr>
+          <p:cNvSpPr/>
+          <p:nvPr/>
+        </p:nvSpPr>
+        <p:spPr>
+          <a:xfrm>
+            <a:off x="3256899" y="0"/>
+            <a:ext cx="8610600" cy="6867525"/>
+          </a:xfrm>
+          <a:custGeom>
+            <a:avLst/>
+            <a:gdLst>
+              <a:gd name="connsiteX0" fmla="*/ 8612029 w 8610600"/>
+              <a:gd name="connsiteY0" fmla="*/ 6865144 h 6867525"/>
+              <a:gd name="connsiteX1" fmla="*/ 3966686 w 8610600"/>
+              <a:gd name="connsiteY1" fmla="*/ 6865144 h 6867525"/>
+              <a:gd name="connsiteX2" fmla="*/ 7144 w 8610600"/>
+              <a:gd name="connsiteY2" fmla="*/ 7144 h 6867525"/>
+              <a:gd name="connsiteX3" fmla="*/ 4652582 w 8610600"/>
+              <a:gd name="connsiteY3" fmla="*/ 7144 h 6867525"/>
+            </a:gdLst>
+            <a:ahLst/>
+            <a:cxnLst>
+              <a:cxn ang="0">
+                <a:pos x="connsiteX0" y="connsiteY0"/>
+              </a:cxn>
+              <a:cxn ang="0">
+                <a:pos x="connsiteX1" y="connsiteY1"/>
+              </a:cxn>
+              <a:cxn ang="0">
+                <a:pos x="connsiteX2" y="connsiteY2"/>
+              </a:cxn>
+              <a:cxn ang="0">
+                <a:pos x="connsiteX3" y="connsiteY3"/>
+              </a:cxn>
+            </a:cxnLst>
+            <a:rect l="l" t="t" r="r" b="b"/>
+            <a:pathLst>
+              <a:path w="8610600" h="6867525">
+                <a:moveTo>
+                  <a:pt x="8612029" y="6865144"/>
+                </a:moveTo>
+                <a:lnTo>
+                  <a:pt x="3966686" y="6865144"/>
+                </a:lnTo>
+                <a:lnTo>
+                  <a:pt x="7144" y="7144"/>
+                </a:lnTo>
+                <a:lnTo>
+                  <a:pt x="4652582" y="7144"/>
+                </a:lnTo>
+                <a:close/>
+              </a:path>
+            </a:pathLst>
+          </a:custGeom>
+          <a:gradFill>
+            <a:gsLst>
+              <a:gs pos="70000">
+                <a:srgbClr val="E72B3C"/>
+              </a:gs>
+              <a:gs pos="0">
+                <a:srgbClr val="0D1E25">
+                  <a:alpha val="0"/>
+                </a:srgbClr>
+              </a:gs>
+            </a:gsLst>
+            <a:lin ang="5400000" scaled="0"/>
+          </a:gradFill>
+          <a:ln w="9525" cap="flat">
+            <a:noFill/>
+            <a:prstDash val="solid"/>
+            <a:miter/>
+          </a:ln>
+        </p:spPr>
+        <p:txBody>
+          <a:bodyPr rtlCol="0" anchor="ctr"/>
+          <a:lstStyle/>
+          <a:p>
+            <a:endParaRPr lang="en-US"/>
+          </a:p>
+        </p:txBody>
+      </p:sp>
+      <p:sp>
+        <p:nvSpPr>
+          <p:cNvPr id="4" name="TextBox 3">
+            <a:extLst>
+              <a:ext uri="{FF2B5EF4-FFF2-40B4-BE49-F238E27FC236}">
+                <a16:creationId xmlns:a16="http://schemas.microsoft.com/office/drawing/2014/main" id="{DDE5F60F-3F0B-416A-80EE-F314F14FECF0}"/>
+              </a:ext>
+            </a:extLst>
+          </p:cNvPr>
+          <p:cNvSpPr txBox="1"/>
+          <p:nvPr/>
+        </p:nvSpPr>
+        <p:spPr>
+          <a:xfrm>
+            <a:off x="578875" y="388892"/>
+            <a:ext cx="4268465" cy="1200329"/>
+          </a:xfrm>
+          <a:prstGeom prst="rect">
+            <a:avLst/>
+          </a:prstGeom>
+          <a:noFill/>
+        </p:spPr>
+        <p:txBody>
+          <a:bodyPr wrap="square" rtlCol="0">
+            <a:spAutoFit/>
+          </a:bodyPr>
+          <a:lstStyle/>
+          <a:p>
+            <a:r>
+              <a:rPr lang="en-US" sz="3600" dirty="0">
+                <a:solidFill>
+                  <a:schemeClr val="bg1"/>
+                </a:solidFill>
+                <a:latin typeface="Roboto Black" panose="02000000000000000000" pitchFamily="2" charset="0"/>
+                <a:ea typeface="Roboto Black" panose="02000000000000000000" pitchFamily="2" charset="0"/>
+              </a:rPr>
+              <a:t>Problem Definition and Solutions</a:t>
+            </a:r>
+          </a:p>
+        </p:txBody>
+      </p:sp>
+      <p:sp>
+        <p:nvSpPr>
+          <p:cNvPr id="5" name="TextBox 4">
+            <a:extLst>
+              <a:ext uri="{FF2B5EF4-FFF2-40B4-BE49-F238E27FC236}">
+                <a16:creationId xmlns:a16="http://schemas.microsoft.com/office/drawing/2014/main" id="{4401C709-5E2B-4AA7-9F1E-25E97F4AD943}"/>
+              </a:ext>
+            </a:extLst>
+          </p:cNvPr>
+          <p:cNvSpPr txBox="1"/>
+          <p:nvPr/>
+        </p:nvSpPr>
+        <p:spPr>
+          <a:xfrm>
+            <a:off x="770803" y="1589221"/>
+            <a:ext cx="10842321" cy="4955203"/>
+          </a:xfrm>
+          <a:prstGeom prst="rect">
+            <a:avLst/>
+          </a:prstGeom>
+          <a:noFill/>
+        </p:spPr>
+        <p:txBody>
+          <a:bodyPr wrap="square" rtlCol="0">
+            <a:spAutoFit/>
+          </a:bodyPr>
+          <a:lstStyle/>
+          <a:p>
+            <a:pPr marL="285750" indent="-285750" algn="just">
+              <a:buFont typeface="Arial" panose="020B0604020202020204" pitchFamily="34" charset="0"/>
+              <a:buChar char="•"/>
+            </a:pPr>
+            <a:r>
+              <a:rPr lang="en-US" altLang="ko-KR" sz="1600" dirty="0">
+                <a:solidFill>
+                  <a:schemeClr val="bg1"/>
+                </a:solidFill>
+                <a:cs typeface="Arial" pitchFamily="34" charset="0"/>
+              </a:rPr>
+              <a:t>Classes and Interfaces</a:t>
+            </a:r>
+          </a:p>
+          <a:p>
+            <a:pPr marL="742950" lvl="1" indent="-285750" algn="just">
+              <a:buFont typeface="Arial" panose="020B0604020202020204" pitchFamily="34" charset="0"/>
+              <a:buChar char="•"/>
+            </a:pPr>
+            <a:r>
+              <a:rPr lang="en-US" altLang="ko-KR" sz="1600" b="1" dirty="0">
+                <a:solidFill>
+                  <a:schemeClr val="bg1"/>
+                </a:solidFill>
+                <a:cs typeface="Arial" pitchFamily="34" charset="0"/>
+              </a:rPr>
+              <a:t>The problem: </a:t>
+            </a:r>
+            <a:r>
+              <a:rPr lang="en-US" altLang="ko-KR" sz="1600" dirty="0">
+                <a:solidFill>
+                  <a:schemeClr val="bg1"/>
+                </a:solidFill>
+                <a:cs typeface="Arial" pitchFamily="34" charset="0"/>
+              </a:rPr>
+              <a:t>JS is flexible, but extremely dangerous</a:t>
+            </a:r>
+          </a:p>
+          <a:p>
+            <a:pPr marL="742950" lvl="1" indent="-285750" algn="just">
+              <a:buFont typeface="Arial" panose="020B0604020202020204" pitchFamily="34" charset="0"/>
+              <a:buChar char="•"/>
+            </a:pPr>
+            <a:r>
+              <a:rPr lang="en-US" altLang="ko-KR" sz="1600" b="1" dirty="0">
+                <a:solidFill>
+                  <a:schemeClr val="bg1"/>
+                </a:solidFill>
+                <a:cs typeface="Arial" pitchFamily="34" charset="0"/>
+              </a:rPr>
+              <a:t>The solution: </a:t>
+            </a:r>
+            <a:r>
+              <a:rPr lang="en-US" altLang="ko-KR" sz="1600" dirty="0">
+                <a:solidFill>
+                  <a:schemeClr val="bg1"/>
+                </a:solidFill>
+                <a:cs typeface="Arial" pitchFamily="34" charset="0"/>
+              </a:rPr>
+              <a:t>Give </a:t>
+            </a:r>
+            <a:r>
+              <a:rPr lang="en-US" altLang="ko-KR" sz="1600" dirty="0" err="1">
+                <a:solidFill>
+                  <a:schemeClr val="bg1"/>
+                </a:solidFill>
+                <a:cs typeface="Arial" pitchFamily="34" charset="0"/>
+              </a:rPr>
+              <a:t>devs</a:t>
+            </a:r>
+            <a:r>
+              <a:rPr lang="en-US" altLang="ko-KR" sz="1600" dirty="0">
+                <a:solidFill>
+                  <a:schemeClr val="bg1"/>
+                </a:solidFill>
+                <a:cs typeface="Arial" pitchFamily="34" charset="0"/>
+              </a:rPr>
+              <a:t> the option to use Object Oriented Programming (in an easy and intelligent way)</a:t>
+            </a:r>
+          </a:p>
+          <a:p>
+            <a:pPr lvl="1" algn="just"/>
+            <a:endParaRPr lang="en-US" altLang="ko-KR" sz="1600" dirty="0">
+              <a:solidFill>
+                <a:schemeClr val="bg1"/>
+              </a:solidFill>
+              <a:cs typeface="Arial" pitchFamily="34" charset="0"/>
+            </a:endParaRPr>
+          </a:p>
+          <a:p>
+            <a:pPr algn="just"/>
+            <a:r>
+              <a:rPr lang="en-US" altLang="ko-KR" sz="1600" dirty="0">
+                <a:solidFill>
+                  <a:schemeClr val="bg1"/>
+                </a:solidFill>
+                <a:cs typeface="Arial" pitchFamily="34" charset="0"/>
+              </a:rPr>
+              <a:t>Environment</a:t>
+            </a:r>
+          </a:p>
+          <a:p>
+            <a:pPr marL="742950" lvl="1" indent="-285750" algn="just">
+              <a:buFont typeface="Arial" panose="020B0604020202020204" pitchFamily="34" charset="0"/>
+              <a:buChar char="•"/>
+            </a:pPr>
+            <a:r>
+              <a:rPr lang="en-US" altLang="ko-KR" sz="1600" b="1" dirty="0">
+                <a:solidFill>
+                  <a:schemeClr val="bg1"/>
+                </a:solidFill>
+                <a:cs typeface="Arial" pitchFamily="34" charset="0"/>
+              </a:rPr>
+              <a:t>The problem:</a:t>
+            </a:r>
+            <a:r>
+              <a:rPr lang="en-US" altLang="ko-KR" sz="1600" dirty="0">
+                <a:solidFill>
+                  <a:schemeClr val="bg1"/>
+                </a:solidFill>
+                <a:cs typeface="Arial" pitchFamily="34" charset="0"/>
+              </a:rPr>
+              <a:t> Values that change based on Environment (e.g. Local/Production/Staging)</a:t>
+            </a:r>
+          </a:p>
+          <a:p>
+            <a:pPr marL="742950" lvl="1" indent="-285750" algn="just">
+              <a:buFont typeface="Arial" panose="020B0604020202020204" pitchFamily="34" charset="0"/>
+              <a:buChar char="•"/>
+            </a:pPr>
+            <a:r>
+              <a:rPr lang="en-US" altLang="ko-KR" sz="1600" b="1" dirty="0">
+                <a:solidFill>
+                  <a:schemeClr val="bg1"/>
+                </a:solidFill>
+                <a:cs typeface="Arial" pitchFamily="34" charset="0"/>
+              </a:rPr>
+              <a:t>The solution:</a:t>
+            </a:r>
+            <a:r>
+              <a:rPr lang="en-US" altLang="ko-KR" sz="1600" dirty="0">
+                <a:solidFill>
+                  <a:schemeClr val="bg1"/>
+                </a:solidFill>
+                <a:cs typeface="Arial" pitchFamily="34" charset="0"/>
+              </a:rPr>
+              <a:t> </a:t>
+            </a:r>
+            <a:r>
+              <a:rPr lang="en-US" altLang="ko-KR" sz="1600" dirty="0" err="1">
+                <a:solidFill>
+                  <a:schemeClr val="bg1"/>
+                </a:solidFill>
+                <a:cs typeface="Arial" pitchFamily="34" charset="0"/>
+              </a:rPr>
+              <a:t>environment.ts</a:t>
+            </a:r>
+            <a:r>
+              <a:rPr lang="en-US" altLang="ko-KR" sz="1600" dirty="0">
+                <a:solidFill>
+                  <a:schemeClr val="bg1"/>
+                </a:solidFill>
+                <a:cs typeface="Arial" pitchFamily="34" charset="0"/>
+              </a:rPr>
+              <a:t> which is globally accessible</a:t>
+            </a:r>
+          </a:p>
+          <a:p>
+            <a:pPr marL="742950" lvl="1" indent="-285750" algn="just">
+              <a:buFont typeface="Arial" panose="020B0604020202020204" pitchFamily="34" charset="0"/>
+              <a:buChar char="•"/>
+            </a:pPr>
+            <a:endParaRPr lang="en-US" altLang="ko-KR" sz="1600" dirty="0">
+              <a:solidFill>
+                <a:schemeClr val="bg1"/>
+              </a:solidFill>
+              <a:cs typeface="Arial" pitchFamily="34" charset="0"/>
+            </a:endParaRPr>
+          </a:p>
+          <a:p>
+            <a:pPr marL="285750" indent="-285750" algn="just">
+              <a:buFont typeface="Arial" panose="020B0604020202020204" pitchFamily="34" charset="0"/>
+              <a:buChar char="•"/>
+            </a:pPr>
+            <a:r>
+              <a:rPr lang="en-US" altLang="ko-KR" sz="1600" dirty="0">
+                <a:solidFill>
+                  <a:schemeClr val="bg1"/>
+                </a:solidFill>
+                <a:cs typeface="Arial" pitchFamily="34" charset="0"/>
+              </a:rPr>
+              <a:t>Interpolation</a:t>
+            </a:r>
+          </a:p>
+          <a:p>
+            <a:pPr marL="742950" lvl="1" indent="-285750" algn="just">
+              <a:buFont typeface="Arial" panose="020B0604020202020204" pitchFamily="34" charset="0"/>
+              <a:buChar char="•"/>
+            </a:pPr>
+            <a:r>
+              <a:rPr lang="en-US" altLang="ko-KR" sz="1600" b="1" dirty="0">
+                <a:solidFill>
+                  <a:schemeClr val="bg1"/>
+                </a:solidFill>
+                <a:cs typeface="Arial" pitchFamily="34" charset="0"/>
+              </a:rPr>
+              <a:t>The problem:</a:t>
+            </a:r>
+            <a:r>
+              <a:rPr lang="en-US" altLang="ko-KR" sz="1600" dirty="0">
+                <a:solidFill>
+                  <a:schemeClr val="bg1"/>
+                </a:solidFill>
+                <a:cs typeface="Arial" pitchFamily="34" charset="0"/>
+              </a:rPr>
+              <a:t> Display and use data inside HTML</a:t>
+            </a:r>
+          </a:p>
+          <a:p>
+            <a:pPr marL="742950" lvl="1" indent="-285750" algn="just">
+              <a:buFont typeface="Arial" panose="020B0604020202020204" pitchFamily="34" charset="0"/>
+              <a:buChar char="•"/>
+            </a:pPr>
+            <a:r>
+              <a:rPr lang="en-US" altLang="ko-KR" sz="1600" b="1" dirty="0">
+                <a:solidFill>
+                  <a:schemeClr val="bg1"/>
+                </a:solidFill>
+                <a:cs typeface="Arial" pitchFamily="34" charset="0"/>
+              </a:rPr>
+              <a:t>The solution: </a:t>
+            </a:r>
+            <a:r>
+              <a:rPr lang="en-US" altLang="ko-KR" sz="1600" dirty="0">
+                <a:solidFill>
+                  <a:schemeClr val="bg1"/>
+                </a:solidFill>
+                <a:cs typeface="Arial" pitchFamily="34" charset="0"/>
+              </a:rPr>
+              <a:t>Simply use {{}} </a:t>
+            </a:r>
+          </a:p>
+          <a:p>
+            <a:pPr marL="1200150" lvl="2" indent="-285750" algn="just">
+              <a:buFont typeface="Arial" panose="020B0604020202020204" pitchFamily="34" charset="0"/>
+              <a:buChar char="•"/>
+            </a:pPr>
+            <a:r>
+              <a:rPr lang="en-US" altLang="ko-KR" sz="1600" dirty="0">
+                <a:solidFill>
+                  <a:schemeClr val="bg1"/>
+                </a:solidFill>
+                <a:cs typeface="Arial" pitchFamily="34" charset="0"/>
+              </a:rPr>
+              <a:t>e.g. {{</a:t>
+            </a:r>
+            <a:r>
+              <a:rPr lang="en-US" altLang="ko-KR" sz="1600" dirty="0" err="1">
+                <a:solidFill>
+                  <a:schemeClr val="bg1"/>
+                </a:solidFill>
+                <a:cs typeface="Arial" pitchFamily="34" charset="0"/>
+              </a:rPr>
+              <a:t>exampleVar</a:t>
+            </a:r>
+            <a:r>
+              <a:rPr lang="en-US" altLang="ko-KR" sz="1600" dirty="0">
+                <a:solidFill>
+                  <a:schemeClr val="bg1"/>
+                </a:solidFill>
+                <a:cs typeface="Arial" pitchFamily="34" charset="0"/>
+              </a:rPr>
+              <a:t>}}</a:t>
+            </a:r>
+            <a:r>
+              <a:rPr lang="en-US" altLang="ko-KR" sz="1600" b="1" dirty="0">
+                <a:solidFill>
+                  <a:schemeClr val="bg1"/>
+                </a:solidFill>
+                <a:cs typeface="Arial" pitchFamily="34" charset="0"/>
+              </a:rPr>
+              <a:t> </a:t>
+            </a:r>
+            <a:endParaRPr lang="en-US" altLang="ko-KR" sz="1600" dirty="0">
+              <a:solidFill>
+                <a:schemeClr val="bg1"/>
+              </a:solidFill>
+              <a:cs typeface="Arial" pitchFamily="34" charset="0"/>
+            </a:endParaRPr>
+          </a:p>
+          <a:p>
+            <a:pPr lvl="1" algn="just"/>
+            <a:endParaRPr lang="en-US" altLang="ko-KR" sz="1600" dirty="0">
+              <a:solidFill>
+                <a:schemeClr val="bg1"/>
+              </a:solidFill>
+              <a:cs typeface="Arial" pitchFamily="34" charset="0"/>
+            </a:endParaRPr>
+          </a:p>
+          <a:p>
+            <a:pPr marL="285750" indent="-285750" algn="just">
+              <a:buFont typeface="Arial" panose="020B0604020202020204" pitchFamily="34" charset="0"/>
+              <a:buChar char="•"/>
+            </a:pPr>
+            <a:r>
+              <a:rPr lang="en-US" altLang="ko-KR" sz="1600" dirty="0">
+                <a:solidFill>
+                  <a:schemeClr val="bg1"/>
+                </a:solidFill>
+                <a:cs typeface="Arial" pitchFamily="34" charset="0"/>
+              </a:rPr>
+              <a:t>Property Binding</a:t>
+            </a:r>
+          </a:p>
+          <a:p>
+            <a:pPr marL="742950" lvl="1" indent="-285750" algn="just">
+              <a:buFont typeface="Arial" panose="020B0604020202020204" pitchFamily="34" charset="0"/>
+              <a:buChar char="•"/>
+            </a:pPr>
+            <a:r>
+              <a:rPr lang="en-US" altLang="ko-KR" sz="1600" b="1" dirty="0">
+                <a:solidFill>
+                  <a:schemeClr val="bg1"/>
+                </a:solidFill>
+                <a:cs typeface="Arial" pitchFamily="34" charset="0"/>
+              </a:rPr>
+              <a:t>The problem: </a:t>
+            </a:r>
+            <a:r>
+              <a:rPr lang="en-US" altLang="ko-KR" sz="1600" dirty="0">
+                <a:solidFill>
+                  <a:schemeClr val="bg1"/>
+                </a:solidFill>
+                <a:cs typeface="Arial" pitchFamily="34" charset="0"/>
+              </a:rPr>
+              <a:t>Easily manipulate and change element properties</a:t>
+            </a:r>
+          </a:p>
+          <a:p>
+            <a:pPr marL="742950" lvl="1" indent="-285750" algn="just">
+              <a:buFont typeface="Arial" panose="020B0604020202020204" pitchFamily="34" charset="0"/>
+              <a:buChar char="•"/>
+            </a:pPr>
+            <a:r>
+              <a:rPr lang="en-US" altLang="ko-KR" sz="1600" dirty="0">
+                <a:solidFill>
+                  <a:schemeClr val="bg1"/>
+                </a:solidFill>
+                <a:cs typeface="Arial" pitchFamily="34" charset="0"/>
+              </a:rPr>
+              <a:t>The solution: Element properties are exposed through []</a:t>
+            </a:r>
+          </a:p>
+          <a:p>
+            <a:pPr marL="1200150" lvl="2" indent="-285750" algn="just">
+              <a:buFont typeface="Arial" panose="020B0604020202020204" pitchFamily="34" charset="0"/>
+              <a:buChar char="•"/>
+            </a:pPr>
+            <a:r>
+              <a:rPr lang="en-US" altLang="ko-KR" sz="1600" dirty="0">
+                <a:solidFill>
+                  <a:schemeClr val="bg1"/>
+                </a:solidFill>
+                <a:cs typeface="Arial" pitchFamily="34" charset="0"/>
+              </a:rPr>
+              <a:t>e.g. </a:t>
+            </a:r>
+            <a:endParaRPr lang="en-GB" sz="1600" b="0" dirty="0">
+              <a:solidFill>
+                <a:srgbClr val="FFEE99"/>
+              </a:solidFill>
+              <a:effectLst/>
+              <a:latin typeface="Consolas" panose="020B0609020204030204" pitchFamily="49" charset="0"/>
+            </a:endParaRPr>
+          </a:p>
+          <a:p>
+            <a:r>
+              <a:rPr lang="en-GB" sz="1200" b="0" dirty="0">
+                <a:solidFill>
+                  <a:srgbClr val="F8F8F2"/>
+                </a:solidFill>
+                <a:effectLst/>
+                <a:latin typeface="Consolas" panose="020B0609020204030204" pitchFamily="49" charset="0"/>
+              </a:rPr>
+              <a:t>	&lt;</a:t>
+            </a:r>
+            <a:r>
+              <a:rPr lang="en-GB" sz="1200" b="0" dirty="0">
+                <a:solidFill>
+                  <a:srgbClr val="F92672"/>
+                </a:solidFill>
+                <a:effectLst/>
+                <a:latin typeface="Consolas" panose="020B0609020204030204" pitchFamily="49" charset="0"/>
+              </a:rPr>
+              <a:t>button</a:t>
+            </a:r>
+            <a:r>
+              <a:rPr lang="en-GB" sz="1200" b="0" dirty="0">
+                <a:solidFill>
+                  <a:srgbClr val="F8F8F2"/>
+                </a:solidFill>
+                <a:effectLst/>
+                <a:latin typeface="Consolas" panose="020B0609020204030204" pitchFamily="49" charset="0"/>
+              </a:rPr>
+              <a:t> </a:t>
+            </a:r>
+            <a:r>
+              <a:rPr lang="en-GB" sz="1200" b="0" dirty="0">
+                <a:solidFill>
+                  <a:srgbClr val="A6E22E"/>
+                </a:solidFill>
+                <a:effectLst/>
+                <a:latin typeface="Consolas" panose="020B0609020204030204" pitchFamily="49" charset="0"/>
+              </a:rPr>
+              <a:t>[disabled]</a:t>
+            </a:r>
+            <a:r>
+              <a:rPr lang="en-GB" sz="1200" b="0" dirty="0">
+                <a:solidFill>
+                  <a:srgbClr val="F8F8F2"/>
+                </a:solidFill>
+                <a:effectLst/>
+                <a:latin typeface="Consolas" panose="020B0609020204030204" pitchFamily="49" charset="0"/>
+              </a:rPr>
+              <a:t>=</a:t>
+            </a:r>
+            <a:r>
+              <a:rPr lang="en-GB" sz="1200" b="0" dirty="0">
+                <a:solidFill>
+                  <a:srgbClr val="FFEE99"/>
+                </a:solidFill>
+                <a:effectLst/>
+                <a:latin typeface="Consolas" panose="020B0609020204030204" pitchFamily="49" charset="0"/>
+              </a:rPr>
+              <a:t>"</a:t>
+            </a:r>
+            <a:r>
+              <a:rPr lang="en-GB" sz="1200" b="0" dirty="0" err="1">
+                <a:solidFill>
+                  <a:srgbClr val="F8F8F2"/>
+                </a:solidFill>
+                <a:effectLst/>
+                <a:latin typeface="Consolas" panose="020B0609020204030204" pitchFamily="49" charset="0"/>
+              </a:rPr>
+              <a:t>disableVar</a:t>
+            </a:r>
+            <a:r>
+              <a:rPr lang="en-GB" sz="1200" b="0" dirty="0">
+                <a:solidFill>
+                  <a:srgbClr val="FFEE99"/>
+                </a:solidFill>
+                <a:effectLst/>
+                <a:latin typeface="Consolas" panose="020B0609020204030204" pitchFamily="49" charset="0"/>
+              </a:rPr>
+              <a:t>"</a:t>
+            </a:r>
+            <a:r>
+              <a:rPr lang="en-GB" sz="1200" b="0" dirty="0">
+                <a:solidFill>
+                  <a:srgbClr val="F8F8F2"/>
+                </a:solidFill>
+                <a:effectLst/>
+                <a:latin typeface="Consolas" panose="020B0609020204030204" pitchFamily="49" charset="0"/>
+              </a:rPr>
+              <a:t>&gt;Disabled Button&lt;/</a:t>
+            </a:r>
+            <a:r>
+              <a:rPr lang="en-GB" sz="1200" b="0" dirty="0">
+                <a:solidFill>
+                  <a:srgbClr val="F92672"/>
+                </a:solidFill>
+                <a:effectLst/>
+                <a:latin typeface="Consolas" panose="020B0609020204030204" pitchFamily="49" charset="0"/>
+              </a:rPr>
+              <a:t>button</a:t>
+            </a:r>
+            <a:r>
+              <a:rPr lang="en-GB" sz="1200" b="0" dirty="0">
+                <a:solidFill>
+                  <a:srgbClr val="F8F8F2"/>
+                </a:solidFill>
+                <a:effectLst/>
+                <a:latin typeface="Consolas" panose="020B0609020204030204" pitchFamily="49" charset="0"/>
+              </a:rPr>
+              <a:t>&gt;</a:t>
+            </a:r>
+          </a:p>
+          <a:p>
+            <a:pPr lvl="2" algn="just"/>
+            <a:endParaRPr lang="en-GB" sz="1600" b="0" dirty="0">
+              <a:solidFill>
+                <a:srgbClr val="FFEE99"/>
+              </a:solidFill>
+              <a:effectLst/>
+              <a:latin typeface="Consolas" panose="020B0609020204030204" pitchFamily="49" charset="0"/>
+            </a:endParaRPr>
+          </a:p>
+          <a:p>
+            <a:pPr lvl="2" algn="just"/>
+            <a:endParaRPr lang="en-GB" sz="1600" dirty="0">
+              <a:solidFill>
+                <a:srgbClr val="F8F8F2"/>
+              </a:solidFill>
+              <a:latin typeface="Consolas" panose="020B0609020204030204" pitchFamily="49" charset="0"/>
+            </a:endParaRPr>
+          </a:p>
+        </p:txBody>
+      </p:sp>
+    </p:spTree>
+    <p:extLst>
+      <p:ext uri="{BB962C8B-B14F-4D97-AF65-F5344CB8AC3E}">
+        <p14:creationId xmlns:p14="http://schemas.microsoft.com/office/powerpoint/2010/main" val="1789930391"/>
+      </p:ext>
+    </p:extLst>
+  </p:cSld>
+  <p:clrMapOvr>
+    <a:masterClrMapping/>
+  </p:clrMapOvr>
+  <mc:AlternateContent xmlns:mc="http://schemas.openxmlformats.org/markup-compatibility/2006">
+    <mc:Choice xmlns:p159="http://schemas.microsoft.com/office/powerpoint/2015/09/main" Requires="p159">
+      <p:transition xmlns:p14="http://schemas.microsoft.com/office/powerpoint/2010/main" spd="slow" p14:dur="2000">
+        <p159:morph option="byObject"/>
+      </p:transition>
+    </mc:Choice>
+    <mc:Fallback>
+      <p:transition spd="slow">
+        <p:fade/>
+      </p:transition>
+    </mc:Fallback>
+  </mc:AlternateContent>
+</p:sld>
+</file>
+
+<file path=ppt/slides/slide6.xml><?xml version="1.0" encoding="utf-8"?>
+<p:sld xmlns:a="http://schemas.openxmlformats.org/drawingml/2006/main" xmlns:r="http://schemas.openxmlformats.org/officeDocument/2006/relationships" xmlns:p="http://schemas.openxmlformats.org/presentationml/2006/main">
+  <p:cSld>
+    <p:spTree>
+      <p:nvGrpSpPr>
+        <p:cNvPr id="1" name=""/>
+        <p:cNvGrpSpPr/>
+        <p:nvPr/>
+      </p:nvGrpSpPr>
+      <p:grpSpPr>
+        <a:xfrm>
+          <a:off x="0" y="0"/>
+          <a:ext cx="0" cy="0"/>
+          <a:chOff x="0" y="0"/>
+          <a:chExt cx="0" cy="0"/>
+        </a:xfrm>
+      </p:grpSpPr>
+      <p:sp>
+        <p:nvSpPr>
+          <p:cNvPr id="3" name="Freeform: Shape 2">
+            <a:extLst>
+              <a:ext uri="{FF2B5EF4-FFF2-40B4-BE49-F238E27FC236}">
+                <a16:creationId xmlns:a16="http://schemas.microsoft.com/office/drawing/2014/main" id="{C37F378E-A931-4F3A-8CC8-165F642E6F8E}"/>
+              </a:ext>
+            </a:extLst>
+          </p:cNvPr>
+          <p:cNvSpPr/>
+          <p:nvPr/>
+        </p:nvSpPr>
+        <p:spPr>
+          <a:xfrm>
+            <a:off x="3256899" y="0"/>
+            <a:ext cx="8610600" cy="6867525"/>
+          </a:xfrm>
+          <a:custGeom>
+            <a:avLst/>
+            <a:gdLst>
+              <a:gd name="connsiteX0" fmla="*/ 8612029 w 8610600"/>
+              <a:gd name="connsiteY0" fmla="*/ 6865144 h 6867525"/>
+              <a:gd name="connsiteX1" fmla="*/ 3966686 w 8610600"/>
+              <a:gd name="connsiteY1" fmla="*/ 6865144 h 6867525"/>
+              <a:gd name="connsiteX2" fmla="*/ 7144 w 8610600"/>
+              <a:gd name="connsiteY2" fmla="*/ 7144 h 6867525"/>
+              <a:gd name="connsiteX3" fmla="*/ 4652582 w 8610600"/>
+              <a:gd name="connsiteY3" fmla="*/ 7144 h 6867525"/>
+            </a:gdLst>
+            <a:ahLst/>
+            <a:cxnLst>
+              <a:cxn ang="0">
+                <a:pos x="connsiteX0" y="connsiteY0"/>
+              </a:cxn>
+              <a:cxn ang="0">
+                <a:pos x="connsiteX1" y="connsiteY1"/>
+              </a:cxn>
+              <a:cxn ang="0">
+                <a:pos x="connsiteX2" y="connsiteY2"/>
+              </a:cxn>
+              <a:cxn ang="0">
+                <a:pos x="connsiteX3" y="connsiteY3"/>
+              </a:cxn>
+            </a:cxnLst>
+            <a:rect l="l" t="t" r="r" b="b"/>
+            <a:pathLst>
+              <a:path w="8610600" h="6867525">
+                <a:moveTo>
+                  <a:pt x="8612029" y="6865144"/>
+                </a:moveTo>
+                <a:lnTo>
+                  <a:pt x="3966686" y="6865144"/>
+                </a:lnTo>
+                <a:lnTo>
+                  <a:pt x="7144" y="7144"/>
+                </a:lnTo>
+                <a:lnTo>
+                  <a:pt x="4652582" y="7144"/>
+                </a:lnTo>
+                <a:close/>
+              </a:path>
+            </a:pathLst>
+          </a:custGeom>
+          <a:gradFill>
+            <a:gsLst>
+              <a:gs pos="70000">
+                <a:srgbClr val="E72B3C"/>
+              </a:gs>
+              <a:gs pos="0">
+                <a:srgbClr val="0D1E25">
+                  <a:alpha val="0"/>
+                </a:srgbClr>
+              </a:gs>
+            </a:gsLst>
+            <a:lin ang="5400000" scaled="0"/>
+          </a:gradFill>
+          <a:ln w="9525" cap="flat">
+            <a:noFill/>
+            <a:prstDash val="solid"/>
+            <a:miter/>
+          </a:ln>
+        </p:spPr>
+        <p:txBody>
+          <a:bodyPr rtlCol="0" anchor="ctr"/>
+          <a:lstStyle/>
+          <a:p>
+            <a:endParaRPr lang="en-US"/>
+          </a:p>
+        </p:txBody>
+      </p:sp>
+      <p:sp>
+        <p:nvSpPr>
+          <p:cNvPr id="4" name="TextBox 3">
+            <a:extLst>
+              <a:ext uri="{FF2B5EF4-FFF2-40B4-BE49-F238E27FC236}">
+                <a16:creationId xmlns:a16="http://schemas.microsoft.com/office/drawing/2014/main" id="{DDE5F60F-3F0B-416A-80EE-F314F14FECF0}"/>
+              </a:ext>
+            </a:extLst>
+          </p:cNvPr>
+          <p:cNvSpPr txBox="1"/>
+          <p:nvPr/>
+        </p:nvSpPr>
+        <p:spPr>
+          <a:xfrm>
+            <a:off x="578875" y="388892"/>
+            <a:ext cx="4268465" cy="1200329"/>
+          </a:xfrm>
+          <a:prstGeom prst="rect">
+            <a:avLst/>
+          </a:prstGeom>
+          <a:noFill/>
+        </p:spPr>
+        <p:txBody>
+          <a:bodyPr wrap="square" rtlCol="0">
+            <a:spAutoFit/>
+          </a:bodyPr>
+          <a:lstStyle/>
+          <a:p>
+            <a:r>
+              <a:rPr lang="en-US" sz="3600" dirty="0">
+                <a:solidFill>
+                  <a:schemeClr val="bg1"/>
+                </a:solidFill>
+                <a:latin typeface="Roboto Black" panose="02000000000000000000" pitchFamily="2" charset="0"/>
+                <a:ea typeface="Roboto Black" panose="02000000000000000000" pitchFamily="2" charset="0"/>
+              </a:rPr>
+              <a:t>Problem Definition and Solutions</a:t>
+            </a:r>
+          </a:p>
+        </p:txBody>
+      </p:sp>
+      <p:sp>
+        <p:nvSpPr>
+          <p:cNvPr id="5" name="TextBox 4">
+            <a:extLst>
+              <a:ext uri="{FF2B5EF4-FFF2-40B4-BE49-F238E27FC236}">
+                <a16:creationId xmlns:a16="http://schemas.microsoft.com/office/drawing/2014/main" id="{4401C709-5E2B-4AA7-9F1E-25E97F4AD943}"/>
+              </a:ext>
+            </a:extLst>
+          </p:cNvPr>
+          <p:cNvSpPr txBox="1"/>
+          <p:nvPr/>
+        </p:nvSpPr>
+        <p:spPr>
+          <a:xfrm>
+            <a:off x="770803" y="1589221"/>
+            <a:ext cx="10842321" cy="5447645"/>
+          </a:xfrm>
+          <a:prstGeom prst="rect">
+            <a:avLst/>
+          </a:prstGeom>
+          <a:noFill/>
+        </p:spPr>
+        <p:txBody>
+          <a:bodyPr wrap="square" rtlCol="0">
+            <a:spAutoFit/>
+          </a:bodyPr>
+          <a:lstStyle/>
+          <a:p>
+            <a:pPr algn="just"/>
+            <a:r>
+              <a:rPr lang="en-US" altLang="ko-KR" sz="1400" dirty="0">
+                <a:solidFill>
+                  <a:schemeClr val="bg1"/>
+                </a:solidFill>
+                <a:cs typeface="Arial" pitchFamily="34" charset="0"/>
+              </a:rPr>
+              <a:t>Attribute Directives </a:t>
+            </a:r>
+            <a:r>
+              <a:rPr lang="en-US" altLang="ko-KR" sz="1200" dirty="0" err="1">
+                <a:solidFill>
+                  <a:srgbClr val="00B0F0"/>
+                </a:solidFill>
+                <a:cs typeface="Arial" pitchFamily="34" charset="0"/>
+              </a:rPr>
+              <a:t>NgClass</a:t>
+            </a:r>
+            <a:r>
+              <a:rPr lang="en-US" altLang="ko-KR" sz="1200" dirty="0">
+                <a:solidFill>
+                  <a:srgbClr val="00B0F0"/>
+                </a:solidFill>
+                <a:cs typeface="Arial" pitchFamily="34" charset="0"/>
+              </a:rPr>
+              <a:t>, </a:t>
+            </a:r>
+            <a:r>
+              <a:rPr lang="en-US" altLang="ko-KR" sz="1200" dirty="0" err="1">
+                <a:solidFill>
+                  <a:srgbClr val="00B0F0"/>
+                </a:solidFill>
+                <a:cs typeface="Arial" pitchFamily="34" charset="0"/>
+              </a:rPr>
+              <a:t>NgStyle</a:t>
+            </a:r>
+            <a:r>
+              <a:rPr lang="en-US" altLang="ko-KR" sz="1200" dirty="0">
+                <a:solidFill>
+                  <a:srgbClr val="00B0F0"/>
+                </a:solidFill>
+                <a:cs typeface="Arial" pitchFamily="34" charset="0"/>
+              </a:rPr>
+              <a:t>, </a:t>
+            </a:r>
+            <a:r>
+              <a:rPr lang="en-US" altLang="ko-KR" sz="1200" dirty="0" err="1">
+                <a:solidFill>
+                  <a:srgbClr val="00B0F0"/>
+                </a:solidFill>
+                <a:cs typeface="Arial" pitchFamily="34" charset="0"/>
+              </a:rPr>
+              <a:t>NgModel</a:t>
+            </a:r>
+            <a:endParaRPr lang="en-US" altLang="ko-KR" sz="1200" dirty="0">
+              <a:solidFill>
+                <a:srgbClr val="00B0F0"/>
+              </a:solidFill>
+              <a:cs typeface="Arial" pitchFamily="34" charset="0"/>
+            </a:endParaRPr>
+          </a:p>
+          <a:p>
+            <a:pPr marL="742950" lvl="1" indent="-285750" algn="just">
+              <a:buFont typeface="Arial" panose="020B0604020202020204" pitchFamily="34" charset="0"/>
+              <a:buChar char="•"/>
+            </a:pPr>
+            <a:r>
+              <a:rPr lang="en-US" altLang="ko-KR" sz="1200" b="1" dirty="0">
+                <a:solidFill>
+                  <a:schemeClr val="bg1"/>
+                </a:solidFill>
+                <a:cs typeface="Arial" pitchFamily="34" charset="0"/>
+              </a:rPr>
+              <a:t>The problem: </a:t>
+            </a:r>
+            <a:r>
+              <a:rPr lang="en-US" altLang="ko-KR" sz="1200" dirty="0">
+                <a:solidFill>
+                  <a:schemeClr val="bg1"/>
+                </a:solidFill>
+                <a:cs typeface="Arial" pitchFamily="34" charset="0"/>
+              </a:rPr>
+              <a:t>Dynamic Classes, styles and getting input from the user. </a:t>
+            </a:r>
+          </a:p>
+          <a:p>
+            <a:pPr marL="742950" lvl="1" indent="-285750" algn="just">
+              <a:buFont typeface="Arial" panose="020B0604020202020204" pitchFamily="34" charset="0"/>
+              <a:buChar char="•"/>
+            </a:pPr>
+            <a:r>
+              <a:rPr lang="en-US" altLang="ko-KR" sz="1200" b="1" dirty="0">
+                <a:solidFill>
+                  <a:schemeClr val="bg1"/>
+                </a:solidFill>
+                <a:cs typeface="Arial" pitchFamily="34" charset="0"/>
+              </a:rPr>
+              <a:t>The solution: </a:t>
+            </a:r>
+            <a:r>
+              <a:rPr lang="en-US" altLang="ko-KR" sz="1200" dirty="0">
+                <a:solidFill>
+                  <a:schemeClr val="bg1"/>
+                </a:solidFill>
+                <a:cs typeface="Arial" pitchFamily="34" charset="0"/>
+              </a:rPr>
+              <a:t>Access to </a:t>
+            </a:r>
+            <a:r>
+              <a:rPr lang="en-US" altLang="ko-KR" sz="1200" dirty="0" err="1">
+                <a:solidFill>
+                  <a:srgbClr val="00B0F0"/>
+                </a:solidFill>
+                <a:cs typeface="Arial" pitchFamily="34" charset="0"/>
+              </a:rPr>
+              <a:t>NgClass</a:t>
+            </a:r>
+            <a:r>
+              <a:rPr lang="en-US" altLang="ko-KR" sz="1200" dirty="0">
+                <a:solidFill>
+                  <a:srgbClr val="00B0F0"/>
+                </a:solidFill>
+                <a:cs typeface="Arial" pitchFamily="34" charset="0"/>
+              </a:rPr>
+              <a:t>, </a:t>
+            </a:r>
+            <a:r>
+              <a:rPr lang="en-US" altLang="ko-KR" sz="1200" dirty="0" err="1">
+                <a:solidFill>
+                  <a:srgbClr val="00B0F0"/>
+                </a:solidFill>
+                <a:cs typeface="Arial" pitchFamily="34" charset="0"/>
+              </a:rPr>
+              <a:t>NgStyle</a:t>
+            </a:r>
+            <a:r>
+              <a:rPr lang="en-US" altLang="ko-KR" sz="1200" dirty="0">
+                <a:solidFill>
+                  <a:srgbClr val="00B0F0"/>
+                </a:solidFill>
+                <a:cs typeface="Arial" pitchFamily="34" charset="0"/>
+              </a:rPr>
+              <a:t>, </a:t>
+            </a:r>
+            <a:r>
+              <a:rPr lang="en-US" altLang="ko-KR" sz="1200" dirty="0" err="1">
+                <a:solidFill>
+                  <a:srgbClr val="00B0F0"/>
+                </a:solidFill>
+                <a:cs typeface="Arial" pitchFamily="34" charset="0"/>
+              </a:rPr>
+              <a:t>NgModel</a:t>
+            </a:r>
+            <a:endParaRPr lang="en-US" altLang="ko-KR" sz="1200" dirty="0">
+              <a:solidFill>
+                <a:srgbClr val="00B0F0"/>
+              </a:solidFill>
+              <a:cs typeface="Arial" pitchFamily="34" charset="0"/>
+            </a:endParaRPr>
+          </a:p>
+          <a:p>
+            <a:pPr lvl="1" algn="just"/>
+            <a:endParaRPr lang="en-US" altLang="ko-KR" sz="1200" dirty="0">
+              <a:solidFill>
+                <a:schemeClr val="bg1"/>
+              </a:solidFill>
+              <a:cs typeface="Arial" pitchFamily="34" charset="0"/>
+            </a:endParaRPr>
+          </a:p>
+          <a:p>
+            <a:pPr algn="just"/>
+            <a:r>
+              <a:rPr lang="en-US" altLang="ko-KR" sz="1400" dirty="0">
+                <a:solidFill>
+                  <a:schemeClr val="bg1"/>
+                </a:solidFill>
+                <a:cs typeface="Arial" pitchFamily="34" charset="0"/>
+              </a:rPr>
+              <a:t>Structural Directives </a:t>
+            </a:r>
+            <a:r>
+              <a:rPr lang="en-US" altLang="ko-KR" sz="1200" dirty="0" err="1">
+                <a:solidFill>
+                  <a:srgbClr val="00B0F0"/>
+                </a:solidFill>
+                <a:cs typeface="Arial" pitchFamily="34" charset="0"/>
+              </a:rPr>
+              <a:t>NgIf</a:t>
+            </a:r>
+            <a:r>
+              <a:rPr lang="en-US" altLang="ko-KR" sz="1200" dirty="0">
+                <a:solidFill>
+                  <a:srgbClr val="00B0F0"/>
+                </a:solidFill>
+                <a:cs typeface="Arial" pitchFamily="34" charset="0"/>
+              </a:rPr>
+              <a:t>, </a:t>
+            </a:r>
+            <a:r>
+              <a:rPr lang="en-US" altLang="ko-KR" sz="1200" dirty="0" err="1">
+                <a:solidFill>
+                  <a:srgbClr val="00B0F0"/>
+                </a:solidFill>
+                <a:cs typeface="Arial" pitchFamily="34" charset="0"/>
+              </a:rPr>
+              <a:t>NgFor</a:t>
+            </a:r>
+            <a:r>
+              <a:rPr lang="en-US" altLang="ko-KR" sz="1200" dirty="0">
+                <a:solidFill>
+                  <a:srgbClr val="00B0F0"/>
+                </a:solidFill>
+                <a:cs typeface="Arial" pitchFamily="34" charset="0"/>
+              </a:rPr>
+              <a:t>, </a:t>
+            </a:r>
+            <a:r>
+              <a:rPr lang="en-US" altLang="ko-KR" sz="1200" dirty="0" err="1">
+                <a:solidFill>
+                  <a:srgbClr val="00B0F0"/>
+                </a:solidFill>
+                <a:cs typeface="Arial" pitchFamily="34" charset="0"/>
+              </a:rPr>
+              <a:t>NgSwitch</a:t>
+            </a:r>
+            <a:endParaRPr lang="en-US" altLang="ko-KR" sz="1200" dirty="0">
+              <a:solidFill>
+                <a:srgbClr val="00B0F0"/>
+              </a:solidFill>
+              <a:cs typeface="Arial" pitchFamily="34" charset="0"/>
+            </a:endParaRPr>
+          </a:p>
+          <a:p>
+            <a:pPr marL="742950" lvl="1" indent="-285750" algn="just">
+              <a:buFont typeface="Arial" panose="020B0604020202020204" pitchFamily="34" charset="0"/>
+              <a:buChar char="•"/>
+            </a:pPr>
+            <a:r>
+              <a:rPr lang="en-US" altLang="ko-KR" sz="1400" b="1" dirty="0">
+                <a:solidFill>
+                  <a:schemeClr val="bg1"/>
+                </a:solidFill>
+                <a:cs typeface="Arial" pitchFamily="34" charset="0"/>
+              </a:rPr>
+              <a:t>The problem: </a:t>
+            </a:r>
+            <a:r>
+              <a:rPr lang="en-US" altLang="ko-KR" sz="1400" dirty="0">
+                <a:solidFill>
+                  <a:schemeClr val="bg1"/>
+                </a:solidFill>
+                <a:cs typeface="Arial" pitchFamily="34" charset="0"/>
+              </a:rPr>
+              <a:t>Conditional content, Repeated content</a:t>
+            </a:r>
+          </a:p>
+          <a:p>
+            <a:pPr marL="742950" lvl="1" indent="-285750" algn="just">
+              <a:buFont typeface="Arial" panose="020B0604020202020204" pitchFamily="34" charset="0"/>
+              <a:buChar char="•"/>
+            </a:pPr>
+            <a:r>
+              <a:rPr lang="en-US" altLang="ko-KR" sz="1400" b="1" dirty="0">
+                <a:solidFill>
+                  <a:schemeClr val="bg1"/>
+                </a:solidFill>
+                <a:cs typeface="Arial" pitchFamily="34" charset="0"/>
+              </a:rPr>
+              <a:t>The solution: </a:t>
+            </a:r>
+            <a:r>
+              <a:rPr lang="en-US" altLang="ko-KR" sz="1400" dirty="0">
+                <a:solidFill>
+                  <a:schemeClr val="bg1"/>
+                </a:solidFill>
+                <a:cs typeface="Arial" pitchFamily="34" charset="0"/>
+              </a:rPr>
+              <a:t>Access to </a:t>
+            </a:r>
+            <a:r>
+              <a:rPr lang="en-US" altLang="ko-KR" sz="1400" dirty="0" err="1">
+                <a:solidFill>
+                  <a:srgbClr val="00B0F0"/>
+                </a:solidFill>
+                <a:cs typeface="Arial" pitchFamily="34" charset="0"/>
+              </a:rPr>
+              <a:t>NgIf</a:t>
+            </a:r>
+            <a:r>
+              <a:rPr lang="en-US" altLang="ko-KR" sz="1400" dirty="0">
+                <a:solidFill>
+                  <a:srgbClr val="00B0F0"/>
+                </a:solidFill>
+                <a:cs typeface="Arial" pitchFamily="34" charset="0"/>
+              </a:rPr>
+              <a:t>, </a:t>
+            </a:r>
+            <a:r>
+              <a:rPr lang="en-US" altLang="ko-KR" sz="1400" dirty="0" err="1">
+                <a:solidFill>
+                  <a:srgbClr val="00B0F0"/>
+                </a:solidFill>
+                <a:cs typeface="Arial" pitchFamily="34" charset="0"/>
+              </a:rPr>
+              <a:t>NgFor</a:t>
+            </a:r>
+            <a:r>
+              <a:rPr lang="en-US" altLang="ko-KR" sz="1400" dirty="0">
+                <a:solidFill>
+                  <a:srgbClr val="00B0F0"/>
+                </a:solidFill>
+                <a:cs typeface="Arial" pitchFamily="34" charset="0"/>
+              </a:rPr>
+              <a:t>, </a:t>
+            </a:r>
+            <a:r>
+              <a:rPr lang="en-US" altLang="ko-KR" sz="1400" dirty="0" err="1">
+                <a:solidFill>
+                  <a:srgbClr val="00B0F0"/>
+                </a:solidFill>
+                <a:cs typeface="Arial" pitchFamily="34" charset="0"/>
+              </a:rPr>
+              <a:t>NgSwitch</a:t>
+            </a:r>
+            <a:endParaRPr lang="en-US" altLang="ko-KR" sz="1400" dirty="0">
+              <a:solidFill>
+                <a:srgbClr val="00B0F0"/>
+              </a:solidFill>
+              <a:cs typeface="Arial" pitchFamily="34" charset="0"/>
+            </a:endParaRPr>
+          </a:p>
+          <a:p>
+            <a:pPr marL="742950" lvl="1" indent="-285750" algn="just">
+              <a:buFont typeface="Arial" panose="020B0604020202020204" pitchFamily="34" charset="0"/>
+              <a:buChar char="•"/>
+            </a:pPr>
+            <a:endParaRPr lang="en-US" altLang="ko-KR" sz="1400" dirty="0">
+              <a:solidFill>
+                <a:srgbClr val="00B0F0"/>
+              </a:solidFill>
+              <a:cs typeface="Arial" pitchFamily="34" charset="0"/>
+            </a:endParaRPr>
+          </a:p>
+          <a:p>
+            <a:pPr algn="just"/>
+            <a:r>
+              <a:rPr lang="en-US" altLang="ko-KR" sz="1400" dirty="0">
+                <a:solidFill>
+                  <a:schemeClr val="bg1"/>
+                </a:solidFill>
+                <a:cs typeface="Arial" pitchFamily="34" charset="0"/>
+              </a:rPr>
+              <a:t>Events</a:t>
+            </a:r>
+            <a:endParaRPr lang="en-US" altLang="ko-KR" sz="1200" dirty="0">
+              <a:solidFill>
+                <a:srgbClr val="00B0F0"/>
+              </a:solidFill>
+              <a:cs typeface="Arial" pitchFamily="34" charset="0"/>
+            </a:endParaRPr>
+          </a:p>
+          <a:p>
+            <a:pPr marL="742950" lvl="1" indent="-285750" algn="just">
+              <a:buFont typeface="Arial" panose="020B0604020202020204" pitchFamily="34" charset="0"/>
+              <a:buChar char="•"/>
+            </a:pPr>
+            <a:r>
+              <a:rPr lang="en-US" altLang="ko-KR" sz="1400" b="1" dirty="0">
+                <a:solidFill>
+                  <a:schemeClr val="bg1"/>
+                </a:solidFill>
+                <a:cs typeface="Arial" pitchFamily="34" charset="0"/>
+              </a:rPr>
+              <a:t>The problem: </a:t>
+            </a:r>
+            <a:r>
+              <a:rPr lang="en-US" altLang="ko-KR" sz="1400" dirty="0">
+                <a:solidFill>
+                  <a:schemeClr val="bg1"/>
+                </a:solidFill>
+                <a:cs typeface="Arial" pitchFamily="34" charset="0"/>
+              </a:rPr>
+              <a:t>Respond to things happening in the page (mouse and keyboard actions, events from functions </a:t>
+            </a:r>
+            <a:r>
+              <a:rPr lang="en-US" altLang="ko-KR" sz="1400" dirty="0" err="1">
+                <a:solidFill>
+                  <a:schemeClr val="bg1"/>
+                </a:solidFill>
+                <a:cs typeface="Arial" pitchFamily="34" charset="0"/>
+              </a:rPr>
+              <a:t>etc</a:t>
+            </a:r>
+            <a:r>
+              <a:rPr lang="en-US" altLang="ko-KR" sz="1400" dirty="0">
+                <a:solidFill>
+                  <a:schemeClr val="bg1"/>
+                </a:solidFill>
+                <a:cs typeface="Arial" pitchFamily="34" charset="0"/>
+              </a:rPr>
+              <a:t>)</a:t>
+            </a:r>
+          </a:p>
+          <a:p>
+            <a:pPr marL="742950" lvl="1" indent="-285750" algn="just">
+              <a:buFont typeface="Arial" panose="020B0604020202020204" pitchFamily="34" charset="0"/>
+              <a:buChar char="•"/>
+            </a:pPr>
+            <a:r>
+              <a:rPr lang="en-US" altLang="ko-KR" sz="1400" b="1" dirty="0">
+                <a:solidFill>
+                  <a:schemeClr val="bg1"/>
+                </a:solidFill>
+                <a:cs typeface="Arial" pitchFamily="34" charset="0"/>
+              </a:rPr>
+              <a:t>The solution: </a:t>
+            </a:r>
+            <a:r>
+              <a:rPr lang="en-US" altLang="ko-KR" sz="1400" dirty="0">
+                <a:solidFill>
+                  <a:schemeClr val="bg1"/>
+                </a:solidFill>
+                <a:cs typeface="Arial" pitchFamily="34" charset="0"/>
+              </a:rPr>
+              <a:t>() on html elements give you access to events (custom events too)</a:t>
+            </a:r>
+            <a:endParaRPr lang="en-US" altLang="ko-KR" sz="1400" dirty="0">
+              <a:solidFill>
+                <a:srgbClr val="00B0F0"/>
+              </a:solidFill>
+              <a:cs typeface="Arial" pitchFamily="34" charset="0"/>
+            </a:endParaRPr>
+          </a:p>
+          <a:p>
+            <a:pPr algn="just">
+              <a:defRPr/>
+            </a:pPr>
+            <a:r>
+              <a:rPr lang="en-GB" sz="1100" b="0" dirty="0">
+                <a:solidFill>
+                  <a:srgbClr val="F8F8F2"/>
+                </a:solidFill>
+                <a:effectLst/>
+                <a:latin typeface="Consolas" panose="020B0609020204030204" pitchFamily="49" charset="0"/>
+              </a:rPr>
+              <a:t>	&lt;</a:t>
+            </a:r>
+            <a:r>
+              <a:rPr lang="en-GB" sz="1100" b="0" dirty="0">
+                <a:solidFill>
+                  <a:srgbClr val="F92672"/>
+                </a:solidFill>
+                <a:effectLst/>
+                <a:latin typeface="Consolas" panose="020B0609020204030204" pitchFamily="49" charset="0"/>
+              </a:rPr>
+              <a:t>input</a:t>
+            </a:r>
+            <a:r>
+              <a:rPr lang="en-GB" sz="1100" b="0" dirty="0">
+                <a:solidFill>
+                  <a:srgbClr val="F8F8F2"/>
+                </a:solidFill>
+                <a:effectLst/>
+                <a:latin typeface="Consolas" panose="020B0609020204030204" pitchFamily="49" charset="0"/>
+              </a:rPr>
+              <a:t> </a:t>
+            </a:r>
+            <a:r>
+              <a:rPr lang="en-GB" sz="1100" b="0" dirty="0">
+                <a:solidFill>
+                  <a:srgbClr val="A6E22E"/>
+                </a:solidFill>
+                <a:effectLst/>
+                <a:latin typeface="Consolas" panose="020B0609020204030204" pitchFamily="49" charset="0"/>
+              </a:rPr>
+              <a:t>(keydown.shift.t)</a:t>
+            </a:r>
+            <a:r>
+              <a:rPr lang="en-GB" sz="1100" b="0" dirty="0">
+                <a:solidFill>
+                  <a:srgbClr val="F8F8F2"/>
+                </a:solidFill>
+                <a:effectLst/>
+                <a:latin typeface="Consolas" panose="020B0609020204030204" pitchFamily="49" charset="0"/>
+              </a:rPr>
+              <a:t>=</a:t>
+            </a:r>
+            <a:r>
+              <a:rPr lang="en-GB" sz="1100" b="0" dirty="0">
+                <a:solidFill>
+                  <a:srgbClr val="FFEE99"/>
+                </a:solidFill>
+                <a:effectLst/>
+                <a:latin typeface="Consolas" panose="020B0609020204030204" pitchFamily="49" charset="0"/>
+              </a:rPr>
+              <a:t>"</a:t>
+            </a:r>
+            <a:r>
+              <a:rPr lang="en-GB" sz="1100" b="0" dirty="0" err="1">
+                <a:solidFill>
+                  <a:srgbClr val="A6E22E"/>
+                </a:solidFill>
+                <a:effectLst/>
+                <a:latin typeface="Consolas" panose="020B0609020204030204" pitchFamily="49" charset="0"/>
+              </a:rPr>
+              <a:t>onKeydown</a:t>
+            </a:r>
+            <a:r>
+              <a:rPr lang="en-GB" sz="1100" b="0" dirty="0">
+                <a:solidFill>
+                  <a:srgbClr val="F8F8F2"/>
+                </a:solidFill>
+                <a:effectLst/>
+                <a:latin typeface="Consolas" panose="020B0609020204030204" pitchFamily="49" charset="0"/>
+              </a:rPr>
+              <a:t>($event)</a:t>
+            </a:r>
+            <a:r>
+              <a:rPr lang="en-GB" sz="1100" b="0" dirty="0">
+                <a:solidFill>
+                  <a:srgbClr val="FFEE99"/>
+                </a:solidFill>
+                <a:effectLst/>
+                <a:latin typeface="Consolas" panose="020B0609020204030204" pitchFamily="49" charset="0"/>
+              </a:rPr>
+              <a:t>"</a:t>
+            </a:r>
+            <a:r>
+              <a:rPr lang="en-GB" sz="1100" b="0" dirty="0">
+                <a:solidFill>
+                  <a:srgbClr val="F8F8F2"/>
+                </a:solidFill>
+                <a:effectLst/>
+                <a:latin typeface="Consolas" panose="020B0609020204030204" pitchFamily="49" charset="0"/>
+              </a:rPr>
+              <a:t> /&gt;</a:t>
+            </a:r>
+          </a:p>
+          <a:p>
+            <a:pPr marR="0" lvl="0" algn="just" defTabSz="914400" rtl="0" eaLnBrk="1" fontAlgn="auto" latinLnBrk="0" hangingPunct="1">
               <a:lnSpc>
                 <a:spcPct val="100000"/>
               </a:lnSpc>
@@ -25961,41 +27634,20 @@
               </a:spcAft>
               <a:buClrTx/>
               <a:buSzTx/>
-              <a:buFont typeface="Arial" panose="020B0604020202020204" pitchFamily="34" charset="0"/>
-              <a:buChar char="•"/>
               <a:tabLst/>
               <a:defRPr/>
             </a:pPr>
+            <a:endParaRPr lang="en-US" altLang="ko-KR" sz="1600" dirty="0">
+              <a:solidFill>
+                <a:schemeClr val="bg1"/>
+              </a:solidFill>
+              <a:cs typeface="Arial" pitchFamily="34" charset="0"/>
+            </a:endParaRPr>
+          </a:p>
+          <a:p>
+            <a:pPr algn="just"/>
             <a:r>
-              <a:rPr lang="en-US" altLang="ko-KR" sz="1600" dirty="0">
-                <a:solidFill>
-                  <a:schemeClr val="bg1"/>
-                </a:solidFill>
-                <a:cs typeface="Arial" pitchFamily="34" charset="0"/>
-              </a:rPr>
-              <a:t>Events</a:t>
-            </a:r>
-          </a:p>
-          <a:p>
-            <a:pPr marL="285750" marR="0" lvl="0" indent="-285750" algn="just" defTabSz="914400" rtl="0" eaLnBrk="1" fontAlgn="auto" latinLnBrk="0" hangingPunct="1">
-              <a:lnSpc>
-                <a:spcPct val="100000"/>
-              </a:lnSpc>
-              <a:spcBef>
-                <a:spcPts val="0"/>
-              </a:spcBef>
-              <a:spcAft>
-                <a:spcPts val="0"/>
-              </a:spcAft>
-              <a:buClrTx/>
-              <a:buSzTx/>
-              <a:buFont typeface="Arial" panose="020B0604020202020204" pitchFamily="34" charset="0"/>
-              <a:buChar char="•"/>
-              <a:tabLst/>
-              <a:defRPr/>
-            </a:pPr>
-            <a:r>
-              <a:rPr lang="en-US" altLang="ko-KR" sz="1600" dirty="0">
+              <a:rPr lang="en-US" altLang="ko-KR" sz="1400" dirty="0">
                 <a:solidFill>
                   <a:schemeClr val="bg1"/>
                 </a:solidFill>
@@ -26004,47 +27656,507 @@
               <a:t>Component Communication: </a:t>
             </a:r>
             <a:r>
-              <a:rPr lang="en-US" altLang="ko-KR" sz="1600" b="1" dirty="0">
+              <a:rPr lang="en-US" altLang="ko-KR" sz="1400" b="1" dirty="0">
                 <a:solidFill>
                   <a:schemeClr val="bg1"/>
                 </a:solidFill>
                 <a:cs typeface="Arial" pitchFamily="34" charset="0"/>
               </a:rPr>
-              <a:t>Input, Output</a:t>
+              <a:t>Input ‘[]’, Output ‘()’</a:t>
             </a:r>
-            <a:endParaRPr kumimoji="0" lang="en-US" altLang="ko-KR" sz="1600" b="0" i="0" u="none" strike="noStrike" kern="1200" cap="none" spc="0" normalizeH="0" baseline="0" noProof="0" dirty="0">
-              <a:ln>
-                <a:noFill/>
-              </a:ln>
+            <a:endParaRPr lang="en-US" altLang="ko-KR" sz="1200" dirty="0">
               <a:solidFill>
-                <a:prstClr val="white"/>
+                <a:srgbClr val="00B0F0"/>
               </a:solidFill>
-              <a:effectLst/>
-              <a:uLnTx/>
-              <a:uFillTx/>
-              <a:latin typeface="Calibri" panose="020F0502020204030204"/>
-              <a:ea typeface="맑은 고딕" panose="020B0503020000020004" pitchFamily="34" charset="-127"/>
               <a:cs typeface="Arial" pitchFamily="34" charset="0"/>
             </a:endParaRPr>
           </a:p>
           <a:p>
-            <a:pPr marL="285750" marR="0" lvl="0" indent="-285750" algn="just" defTabSz="914400" rtl="0" eaLnBrk="1" fontAlgn="auto" latinLnBrk="0" hangingPunct="1">
-              <a:lnSpc>
-                <a:spcPct val="100000"/>
-              </a:lnSpc>
-              <a:spcBef>
-                <a:spcPts val="0"/>
-              </a:spcBef>
-              <a:spcAft>
-                <a:spcPts val="0"/>
-              </a:spcAft>
-              <a:buClrTx/>
-              <a:buSzTx/>
+            <a:pPr marL="742950" lvl="1" indent="-285750" algn="just">
               <a:buFont typeface="Arial" panose="020B0604020202020204" pitchFamily="34" charset="0"/>
               <a:buChar char="•"/>
-              <a:tabLst/>
-              <a:defRPr/>
             </a:pPr>
+            <a:r>
+              <a:rPr lang="en-US" altLang="ko-KR" sz="1400" b="1" dirty="0">
+                <a:solidFill>
+                  <a:schemeClr val="bg1"/>
+                </a:solidFill>
+                <a:cs typeface="Arial" pitchFamily="34" charset="0"/>
+              </a:rPr>
+              <a:t>The problem: </a:t>
+            </a:r>
+            <a:r>
+              <a:rPr lang="en-US" altLang="ko-KR" sz="1400" dirty="0">
+                <a:solidFill>
+                  <a:schemeClr val="bg1"/>
+                </a:solidFill>
+                <a:cs typeface="Arial" pitchFamily="34" charset="0"/>
+              </a:rPr>
+              <a:t>Send data from one Component to another</a:t>
+            </a:r>
+          </a:p>
+          <a:p>
+            <a:pPr marL="1200150" lvl="2" indent="-285750" algn="just">
+              <a:buFont typeface="Arial" panose="020B0604020202020204" pitchFamily="34" charset="0"/>
+              <a:buChar char="•"/>
+            </a:pPr>
+            <a:r>
+              <a:rPr lang="en-US" altLang="ko-KR" sz="1400" dirty="0">
+                <a:solidFill>
+                  <a:schemeClr val="bg1"/>
+                </a:solidFill>
+                <a:cs typeface="Arial" pitchFamily="34" charset="0"/>
+              </a:rPr>
+              <a:t>Parent to child (</a:t>
+            </a:r>
+            <a:r>
+              <a:rPr lang="en-US" altLang="ko-KR" sz="1400" b="1" dirty="0">
+                <a:solidFill>
+                  <a:schemeClr val="bg1"/>
+                </a:solidFill>
+                <a:cs typeface="Arial" pitchFamily="34" charset="0"/>
+              </a:rPr>
+              <a:t>Input</a:t>
+            </a:r>
+            <a:r>
+              <a:rPr lang="en-US" altLang="ko-KR" sz="1400" dirty="0">
+                <a:solidFill>
+                  <a:schemeClr val="bg1"/>
+                </a:solidFill>
+                <a:cs typeface="Arial" pitchFamily="34" charset="0"/>
+              </a:rPr>
+              <a:t>)</a:t>
+            </a:r>
+          </a:p>
+          <a:p>
+            <a:pPr marL="1200150" lvl="2" indent="-285750" algn="just">
+              <a:buFont typeface="Arial" panose="020B0604020202020204" pitchFamily="34" charset="0"/>
+              <a:buChar char="•"/>
+            </a:pPr>
+            <a:r>
+              <a:rPr lang="en-US" altLang="ko-KR" sz="1400" dirty="0">
+                <a:solidFill>
+                  <a:schemeClr val="bg1"/>
+                </a:solidFill>
+                <a:cs typeface="Arial" pitchFamily="34" charset="0"/>
+              </a:rPr>
+              <a:t>Child to Parent (</a:t>
+            </a:r>
+            <a:r>
+              <a:rPr lang="en-US" altLang="ko-KR" sz="1400" b="1" dirty="0">
+                <a:solidFill>
+                  <a:schemeClr val="bg1"/>
+                </a:solidFill>
+                <a:cs typeface="Arial" pitchFamily="34" charset="0"/>
+              </a:rPr>
+              <a:t>Output</a:t>
+            </a:r>
+            <a:r>
+              <a:rPr lang="en-US" altLang="ko-KR" sz="1400" dirty="0">
+                <a:solidFill>
+                  <a:schemeClr val="bg1"/>
+                </a:solidFill>
+                <a:cs typeface="Arial" pitchFamily="34" charset="0"/>
+              </a:rPr>
+              <a:t>)</a:t>
+            </a:r>
+          </a:p>
+          <a:p>
+            <a:pPr marL="1200150" lvl="2" indent="-285750" algn="just">
+              <a:buFont typeface="Arial" panose="020B0604020202020204" pitchFamily="34" charset="0"/>
+              <a:buChar char="•"/>
+            </a:pPr>
+            <a:r>
+              <a:rPr lang="en-US" altLang="ko-KR" sz="1400" dirty="0">
+                <a:solidFill>
+                  <a:schemeClr val="bg1"/>
+                </a:solidFill>
+                <a:cs typeface="Arial" pitchFamily="34" charset="0"/>
+              </a:rPr>
+              <a:t>Child to Child (Input/Output mix)</a:t>
+            </a:r>
+          </a:p>
+          <a:p>
+            <a:pPr marL="742950" lvl="1" indent="-285750" algn="just">
+              <a:buFont typeface="Arial" panose="020B0604020202020204" pitchFamily="34" charset="0"/>
+              <a:buChar char="•"/>
+            </a:pPr>
+            <a:r>
+              <a:rPr lang="en-US" altLang="ko-KR" sz="1400" b="1" dirty="0">
+                <a:solidFill>
+                  <a:schemeClr val="bg1"/>
+                </a:solidFill>
+                <a:cs typeface="Arial" pitchFamily="34" charset="0"/>
+              </a:rPr>
+              <a:t>The solution: </a:t>
+            </a:r>
+            <a:r>
+              <a:rPr lang="en-US" altLang="ko-KR" sz="1400" dirty="0">
+                <a:solidFill>
+                  <a:schemeClr val="bg1"/>
+                </a:solidFill>
+                <a:cs typeface="Arial" pitchFamily="34" charset="0"/>
+              </a:rPr>
+              <a:t>Input, Output </a:t>
+            </a:r>
+          </a:p>
+          <a:p>
+            <a:pPr marL="742950" lvl="1" indent="-285750" algn="just">
+              <a:buFont typeface="Arial" panose="020B0604020202020204" pitchFamily="34" charset="0"/>
+              <a:buChar char="•"/>
+            </a:pPr>
+            <a:r>
+              <a:rPr lang="en-US" altLang="ko-KR" sz="1400" dirty="0">
+                <a:solidFill>
+                  <a:schemeClr val="bg1"/>
+                </a:solidFill>
+                <a:cs typeface="Arial" pitchFamily="34" charset="0"/>
+              </a:rPr>
+              <a:t>Parent to child (</a:t>
+            </a:r>
+            <a:r>
+              <a:rPr lang="en-US" altLang="ko-KR" sz="1400" b="1" dirty="0">
+                <a:solidFill>
+                  <a:schemeClr val="bg1"/>
+                </a:solidFill>
+                <a:cs typeface="Arial" pitchFamily="34" charset="0"/>
+              </a:rPr>
+              <a:t>Input</a:t>
+            </a:r>
+            <a:r>
+              <a:rPr lang="en-US" altLang="ko-KR" sz="1400" dirty="0">
+                <a:solidFill>
+                  <a:schemeClr val="bg1"/>
+                </a:solidFill>
+                <a:cs typeface="Arial" pitchFamily="34" charset="0"/>
+              </a:rPr>
+              <a:t>)</a:t>
+            </a:r>
+          </a:p>
+          <a:p>
+            <a:pPr marL="1200150" lvl="2" indent="-285750" algn="just">
+              <a:buFont typeface="Arial" panose="020B0604020202020204" pitchFamily="34" charset="0"/>
+              <a:buChar char="•"/>
+            </a:pPr>
+            <a:r>
+              <a:rPr lang="en-US" altLang="ko-KR" sz="1400" dirty="0">
+                <a:solidFill>
+                  <a:schemeClr val="bg1"/>
+                </a:solidFill>
+                <a:cs typeface="Arial" pitchFamily="34" charset="0"/>
+              </a:rPr>
+              <a:t>Parent to child (</a:t>
+            </a:r>
+            <a:r>
+              <a:rPr lang="en-US" altLang="ko-KR" sz="1400" b="1" dirty="0">
+                <a:solidFill>
+                  <a:schemeClr val="bg1"/>
+                </a:solidFill>
+                <a:cs typeface="Arial" pitchFamily="34" charset="0"/>
+              </a:rPr>
+              <a:t>Input ‘[]’</a:t>
+            </a:r>
+            <a:r>
+              <a:rPr lang="en-US" altLang="ko-KR" sz="1400" dirty="0">
+                <a:solidFill>
+                  <a:schemeClr val="bg1"/>
+                </a:solidFill>
+                <a:cs typeface="Arial" pitchFamily="34" charset="0"/>
+              </a:rPr>
+              <a:t>)</a:t>
+            </a:r>
+          </a:p>
+          <a:p>
+            <a:pPr marL="1200150" lvl="2" indent="-285750" algn="just">
+              <a:buFont typeface="Arial" panose="020B0604020202020204" pitchFamily="34" charset="0"/>
+              <a:buChar char="•"/>
+            </a:pPr>
+            <a:r>
+              <a:rPr lang="en-US" altLang="ko-KR" sz="1400" dirty="0">
+                <a:solidFill>
+                  <a:schemeClr val="bg1"/>
+                </a:solidFill>
+                <a:cs typeface="Arial" pitchFamily="34" charset="0"/>
+              </a:rPr>
+              <a:t>Child to Parent (</a:t>
+            </a:r>
+            <a:r>
+              <a:rPr lang="en-US" altLang="ko-KR" sz="1400" b="1" dirty="0">
+                <a:solidFill>
+                  <a:schemeClr val="bg1"/>
+                </a:solidFill>
+                <a:cs typeface="Arial" pitchFamily="34" charset="0"/>
+              </a:rPr>
+              <a:t>Output ‘()’</a:t>
+            </a:r>
+            <a:r>
+              <a:rPr lang="en-US" altLang="ko-KR" sz="1400" dirty="0">
+                <a:solidFill>
+                  <a:schemeClr val="bg1"/>
+                </a:solidFill>
+                <a:cs typeface="Arial" pitchFamily="34" charset="0"/>
+              </a:rPr>
+              <a:t>)</a:t>
+            </a:r>
+          </a:p>
+          <a:p>
+            <a:pPr marL="1200150" lvl="2" indent="-285750" algn="just">
+              <a:buFont typeface="Arial" panose="020B0604020202020204" pitchFamily="34" charset="0"/>
+              <a:buChar char="•"/>
+            </a:pPr>
+            <a:r>
+              <a:rPr lang="en-US" altLang="ko-KR" sz="1400" dirty="0">
+                <a:solidFill>
+                  <a:schemeClr val="bg1"/>
+                </a:solidFill>
+                <a:cs typeface="Arial" pitchFamily="34" charset="0"/>
+              </a:rPr>
+              <a:t>Child to Child (Input/Output mix </a:t>
+            </a:r>
+            <a:r>
+              <a:rPr lang="en-US" altLang="ko-KR" sz="1400" b="1" dirty="0">
+                <a:solidFill>
+                  <a:schemeClr val="bg1"/>
+                </a:solidFill>
+                <a:cs typeface="Arial" pitchFamily="34" charset="0"/>
+              </a:rPr>
+              <a:t>BAD</a:t>
+            </a:r>
+            <a:r>
+              <a:rPr lang="en-US" altLang="ko-KR" sz="1400" dirty="0">
+                <a:solidFill>
+                  <a:schemeClr val="bg1"/>
+                </a:solidFill>
+                <a:cs typeface="Arial" pitchFamily="34" charset="0"/>
+              </a:rPr>
+              <a:t>, use Services)</a:t>
+            </a:r>
+          </a:p>
+          <a:p>
+            <a:pPr marL="742950" lvl="1" indent="-285750" algn="just">
+              <a:buFont typeface="Arial" panose="020B0604020202020204" pitchFamily="34" charset="0"/>
+              <a:buChar char="•"/>
+            </a:pPr>
+            <a:endParaRPr lang="en-US" altLang="ko-KR" sz="1200" dirty="0">
+              <a:solidFill>
+                <a:srgbClr val="00B0F0"/>
+              </a:solidFill>
+              <a:cs typeface="Arial" pitchFamily="34" charset="0"/>
+            </a:endParaRPr>
+          </a:p>
+          <a:p>
+            <a:pPr lvl="1" algn="just"/>
+            <a:endParaRPr lang="en-US" altLang="ko-KR" sz="1600" b="1" dirty="0">
+              <a:solidFill>
+                <a:schemeClr val="bg1"/>
+              </a:solidFill>
+              <a:cs typeface="Arial" pitchFamily="34" charset="0"/>
+            </a:endParaRPr>
+          </a:p>
+        </p:txBody>
+      </p:sp>
+    </p:spTree>
+    <p:extLst>
+      <p:ext uri="{BB962C8B-B14F-4D97-AF65-F5344CB8AC3E}">
+        <p14:creationId xmlns:p14="http://schemas.microsoft.com/office/powerpoint/2010/main" val="3892577572"/>
+      </p:ext>
+    </p:extLst>
+  </p:cSld>
+  <p:clrMapOvr>
+    <a:masterClrMapping/>
+  </p:clrMapOvr>
+  <mc:AlternateContent xmlns:mc="http://schemas.openxmlformats.org/markup-compatibility/2006">
+    <mc:Choice xmlns:p159="http://schemas.microsoft.com/office/powerpoint/2015/09/main" Requires="p159">
+      <p:transition xmlns:p14="http://schemas.microsoft.com/office/powerpoint/2010/main" spd="slow" p14:dur="2000">
+        <p159:morph option="byObject"/>
+      </p:transition>
+    </mc:Choice>
+    <mc:Fallback>
+      <p:transition spd="slow">
+        <p:fade/>
+      </p:transition>
+    </mc:Fallback>
+  </mc:AlternateContent>
+</p:sld>
+</file>
+
+<file path=ppt/slides/slide7.xml><?xml version="1.0" encoding="utf-8"?>
+<p:sld xmlns:a="http://schemas.openxmlformats.org/drawingml/2006/main" xmlns:r="http://schemas.openxmlformats.org/officeDocument/2006/relationships" xmlns:p="http://schemas.openxmlformats.org/presentationml/2006/main">
+  <p:cSld>
+    <p:spTree>
+      <p:nvGrpSpPr>
+        <p:cNvPr id="1" name=""/>
+        <p:cNvGrpSpPr/>
+        <p:nvPr/>
+      </p:nvGrpSpPr>
+      <p:grpSpPr>
+        <a:xfrm>
+          <a:off x="0" y="0"/>
+          <a:ext cx="0" cy="0"/>
+          <a:chOff x="0" y="0"/>
+          <a:chExt cx="0" cy="0"/>
+        </a:xfrm>
+      </p:grpSpPr>
+      <p:sp>
+        <p:nvSpPr>
+          <p:cNvPr id="3" name="Freeform: Shape 2">
+            <a:extLst>
+              <a:ext uri="{FF2B5EF4-FFF2-40B4-BE49-F238E27FC236}">
+                <a16:creationId xmlns:a16="http://schemas.microsoft.com/office/drawing/2014/main" id="{C37F378E-A931-4F3A-8CC8-165F642E6F8E}"/>
+              </a:ext>
+            </a:extLst>
+          </p:cNvPr>
+          <p:cNvSpPr/>
+          <p:nvPr/>
+        </p:nvSpPr>
+        <p:spPr>
+          <a:xfrm>
+            <a:off x="3256899" y="0"/>
+            <a:ext cx="8610600" cy="6867525"/>
+          </a:xfrm>
+          <a:custGeom>
+            <a:avLst/>
+            <a:gdLst>
+              <a:gd name="connsiteX0" fmla="*/ 8612029 w 8610600"/>
+              <a:gd name="connsiteY0" fmla="*/ 6865144 h 6867525"/>
+              <a:gd name="connsiteX1" fmla="*/ 3966686 w 8610600"/>
+              <a:gd name="connsiteY1" fmla="*/ 6865144 h 6867525"/>
+              <a:gd name="connsiteX2" fmla="*/ 7144 w 8610600"/>
+              <a:gd name="connsiteY2" fmla="*/ 7144 h 6867525"/>
+              <a:gd name="connsiteX3" fmla="*/ 4652582 w 8610600"/>
+              <a:gd name="connsiteY3" fmla="*/ 7144 h 6867525"/>
+            </a:gdLst>
+            <a:ahLst/>
+            <a:cxnLst>
+              <a:cxn ang="0">
+                <a:pos x="connsiteX0" y="connsiteY0"/>
+              </a:cxn>
+              <a:cxn ang="0">
+                <a:pos x="connsiteX1" y="connsiteY1"/>
+              </a:cxn>
+              <a:cxn ang="0">
+                <a:pos x="connsiteX2" y="connsiteY2"/>
+              </a:cxn>
+              <a:cxn ang="0">
+                <a:pos x="connsiteX3" y="connsiteY3"/>
+              </a:cxn>
+            </a:cxnLst>
+            <a:rect l="l" t="t" r="r" b="b"/>
+            <a:pathLst>
+              <a:path w="8610600" h="6867525">
+                <a:moveTo>
+                  <a:pt x="8612029" y="6865144"/>
+                </a:moveTo>
+                <a:lnTo>
+                  <a:pt x="3966686" y="6865144"/>
+                </a:lnTo>
+                <a:lnTo>
+                  <a:pt x="7144" y="7144"/>
+                </a:lnTo>
+                <a:lnTo>
+                  <a:pt x="4652582" y="7144"/>
+                </a:lnTo>
+                <a:close/>
+              </a:path>
+            </a:pathLst>
+          </a:custGeom>
+          <a:gradFill>
+            <a:gsLst>
+              <a:gs pos="70000">
+                <a:srgbClr val="E72B3C"/>
+              </a:gs>
+              <a:gs pos="0">
+                <a:srgbClr val="0D1E25">
+                  <a:alpha val="0"/>
+                </a:srgbClr>
+              </a:gs>
+            </a:gsLst>
+            <a:lin ang="5400000" scaled="0"/>
+          </a:gradFill>
+          <a:ln w="9525" cap="flat">
+            <a:noFill/>
+            <a:prstDash val="solid"/>
+            <a:miter/>
+          </a:ln>
+        </p:spPr>
+        <p:txBody>
+          <a:bodyPr rtlCol="0" anchor="ctr"/>
+          <a:lstStyle/>
+          <a:p>
+            <a:endParaRPr lang="en-US"/>
+          </a:p>
+        </p:txBody>
+      </p:sp>
+      <p:sp>
+        <p:nvSpPr>
+          <p:cNvPr id="4" name="TextBox 3">
+            <a:extLst>
+              <a:ext uri="{FF2B5EF4-FFF2-40B4-BE49-F238E27FC236}">
+                <a16:creationId xmlns:a16="http://schemas.microsoft.com/office/drawing/2014/main" id="{DDE5F60F-3F0B-416A-80EE-F314F14FECF0}"/>
+              </a:ext>
+            </a:extLst>
+          </p:cNvPr>
+          <p:cNvSpPr txBox="1"/>
+          <p:nvPr/>
+        </p:nvSpPr>
+        <p:spPr>
+          <a:xfrm>
+            <a:off x="578875" y="388892"/>
+            <a:ext cx="4268465" cy="1200329"/>
+          </a:xfrm>
+          <a:prstGeom prst="rect">
+            <a:avLst/>
+          </a:prstGeom>
+          <a:noFill/>
+        </p:spPr>
+        <p:txBody>
+          <a:bodyPr wrap="square" rtlCol="0">
+            <a:spAutoFit/>
+          </a:bodyPr>
+          <a:lstStyle/>
+          <a:p>
+            <a:r>
+              <a:rPr lang="en-US" sz="3600" dirty="0">
+                <a:solidFill>
+                  <a:schemeClr val="bg1"/>
+                </a:solidFill>
+                <a:latin typeface="Roboto Black" panose="02000000000000000000" pitchFamily="2" charset="0"/>
+                <a:ea typeface="Roboto Black" panose="02000000000000000000" pitchFamily="2" charset="0"/>
+              </a:rPr>
+              <a:t>Problem Definition and Solutions</a:t>
+            </a:r>
+          </a:p>
+        </p:txBody>
+      </p:sp>
+      <p:sp>
+        <p:nvSpPr>
+          <p:cNvPr id="5" name="TextBox 4">
+            <a:extLst>
+              <a:ext uri="{FF2B5EF4-FFF2-40B4-BE49-F238E27FC236}">
+                <a16:creationId xmlns:a16="http://schemas.microsoft.com/office/drawing/2014/main" id="{4401C709-5E2B-4AA7-9F1E-25E97F4AD943}"/>
+              </a:ext>
+            </a:extLst>
+          </p:cNvPr>
+          <p:cNvSpPr txBox="1"/>
+          <p:nvPr/>
+        </p:nvSpPr>
+        <p:spPr>
+          <a:xfrm>
+            <a:off x="770803" y="1589221"/>
+            <a:ext cx="10842321" cy="3970318"/>
+          </a:xfrm>
+          <a:prstGeom prst="rect">
+            <a:avLst/>
+          </a:prstGeom>
+          <a:noFill/>
+        </p:spPr>
+        <p:txBody>
+          <a:bodyPr wrap="square" rtlCol="0">
+            <a:spAutoFit/>
+          </a:bodyPr>
+          <a:lstStyle/>
+          <a:p>
+            <a:pPr algn="just"/>
             <a:r>
               <a:rPr kumimoji="0" lang="en-US" altLang="ko-KR" sz="1600" b="0" i="0" u="none" strike="noStrike" kern="1200" cap="none" spc="0" normalizeH="0" baseline="0" noProof="0" dirty="0">
                 <a:ln>
@@ -26062,6 +28174,179 @@
               </a:rPr>
               <a:t>Two-way Binding</a:t>
             </a:r>
+            <a:endParaRPr lang="en-US" altLang="ko-KR" sz="1600" dirty="0">
+              <a:solidFill>
+                <a:schemeClr val="bg1"/>
+              </a:solidFill>
+              <a:cs typeface="Arial" pitchFamily="34" charset="0"/>
+            </a:endParaRPr>
+          </a:p>
+          <a:p>
+            <a:pPr marL="742950" lvl="1" indent="-285750" algn="just">
+              <a:buFont typeface="Arial" panose="020B0604020202020204" pitchFamily="34" charset="0"/>
+              <a:buChar char="•"/>
+            </a:pPr>
+            <a:r>
+              <a:rPr lang="en-US" altLang="ko-KR" sz="1600" b="1" dirty="0">
+                <a:solidFill>
+                  <a:schemeClr val="bg1"/>
+                </a:solidFill>
+                <a:cs typeface="Arial" pitchFamily="34" charset="0"/>
+              </a:rPr>
+              <a:t>The problem: </a:t>
+            </a:r>
+            <a:r>
+              <a:rPr lang="en-US" altLang="ko-KR" sz="1600" dirty="0">
+                <a:solidFill>
+                  <a:schemeClr val="bg1"/>
+                </a:solidFill>
+                <a:cs typeface="Arial" pitchFamily="34" charset="0"/>
+              </a:rPr>
+              <a:t>Simpler two way communication (a variable that can be changed by both Parent and Child)</a:t>
+            </a:r>
+          </a:p>
+          <a:p>
+            <a:pPr marL="742950" lvl="1" indent="-285750" algn="just">
+              <a:buFont typeface="Arial" panose="020B0604020202020204" pitchFamily="34" charset="0"/>
+              <a:buChar char="•"/>
+            </a:pPr>
+            <a:r>
+              <a:rPr lang="en-US" altLang="ko-KR" sz="1600" b="1" dirty="0">
+                <a:solidFill>
+                  <a:schemeClr val="bg1"/>
+                </a:solidFill>
+                <a:cs typeface="Arial" pitchFamily="34" charset="0"/>
+              </a:rPr>
+              <a:t>The solution:</a:t>
+            </a:r>
+            <a:r>
+              <a:rPr lang="en-US" altLang="ko-KR" sz="1600" dirty="0">
+                <a:solidFill>
+                  <a:schemeClr val="bg1"/>
+                </a:solidFill>
+                <a:cs typeface="Arial" pitchFamily="34" charset="0"/>
+              </a:rPr>
+              <a:t> [()] </a:t>
+            </a:r>
+          </a:p>
+          <a:p>
+            <a:pPr lvl="1" algn="just"/>
+            <a:r>
+              <a:rPr lang="en-GB" sz="1200" b="0" dirty="0">
+                <a:solidFill>
+                  <a:srgbClr val="F8F8F2"/>
+                </a:solidFill>
+                <a:effectLst/>
+                <a:latin typeface="Consolas" panose="020B0609020204030204" pitchFamily="49" charset="0"/>
+              </a:rPr>
+              <a:t>&lt;</a:t>
+            </a:r>
+            <a:r>
+              <a:rPr lang="en-GB" sz="1200" b="0" dirty="0">
+                <a:solidFill>
+                  <a:srgbClr val="F92672"/>
+                </a:solidFill>
+                <a:effectLst/>
+                <a:latin typeface="Consolas" panose="020B0609020204030204" pitchFamily="49" charset="0"/>
+              </a:rPr>
+              <a:t>app-two-way-bind</a:t>
+            </a:r>
+            <a:r>
+              <a:rPr lang="en-GB" sz="1200" b="0" dirty="0">
+                <a:solidFill>
+                  <a:srgbClr val="F8F8F2"/>
+                </a:solidFill>
+                <a:effectLst/>
+                <a:latin typeface="Consolas" panose="020B0609020204030204" pitchFamily="49" charset="0"/>
+              </a:rPr>
+              <a:t> </a:t>
+            </a:r>
+            <a:r>
+              <a:rPr lang="en-GB" sz="1200" b="0" dirty="0">
+                <a:solidFill>
+                  <a:srgbClr val="A6E22E"/>
+                </a:solidFill>
+                <a:effectLst/>
+                <a:latin typeface="Consolas" panose="020B0609020204030204" pitchFamily="49" charset="0"/>
+              </a:rPr>
+              <a:t>[(name)]</a:t>
+            </a:r>
+            <a:r>
+              <a:rPr lang="en-GB" sz="1200" b="0" dirty="0">
+                <a:solidFill>
+                  <a:srgbClr val="F8F8F2"/>
+                </a:solidFill>
+                <a:effectLst/>
+                <a:latin typeface="Consolas" panose="020B0609020204030204" pitchFamily="49" charset="0"/>
+              </a:rPr>
+              <a:t>=</a:t>
+            </a:r>
+            <a:r>
+              <a:rPr lang="en-GB" sz="1200" b="0" dirty="0">
+                <a:solidFill>
+                  <a:srgbClr val="FFEE99"/>
+                </a:solidFill>
+                <a:effectLst/>
+                <a:latin typeface="Consolas" panose="020B0609020204030204" pitchFamily="49" charset="0"/>
+              </a:rPr>
+              <a:t>"</a:t>
+            </a:r>
+            <a:r>
+              <a:rPr lang="en-GB" sz="1200" b="0" dirty="0" err="1">
+                <a:solidFill>
+                  <a:srgbClr val="F8F8F2"/>
+                </a:solidFill>
+                <a:effectLst/>
+                <a:latin typeface="Consolas" panose="020B0609020204030204" pitchFamily="49" charset="0"/>
+              </a:rPr>
+              <a:t>nameTwoWay</a:t>
+            </a:r>
+            <a:r>
+              <a:rPr lang="en-GB" sz="1200" b="0" dirty="0">
+                <a:solidFill>
+                  <a:srgbClr val="FFEE99"/>
+                </a:solidFill>
+                <a:effectLst/>
+                <a:latin typeface="Consolas" panose="020B0609020204030204" pitchFamily="49" charset="0"/>
+              </a:rPr>
+              <a:t>"</a:t>
+            </a:r>
+            <a:r>
+              <a:rPr lang="en-GB" sz="1200" b="0" dirty="0">
+                <a:solidFill>
+                  <a:srgbClr val="F8F8F2"/>
+                </a:solidFill>
+                <a:effectLst/>
+                <a:latin typeface="Consolas" panose="020B0609020204030204" pitchFamily="49" charset="0"/>
+              </a:rPr>
+              <a:t>&gt;&lt;/</a:t>
+            </a:r>
+            <a:r>
+              <a:rPr lang="en-GB" sz="1200" b="0" dirty="0">
+                <a:solidFill>
+                  <a:srgbClr val="F92672"/>
+                </a:solidFill>
+                <a:effectLst/>
+                <a:latin typeface="Consolas" panose="020B0609020204030204" pitchFamily="49" charset="0"/>
+              </a:rPr>
+              <a:t>app-two-way-bind</a:t>
+            </a:r>
+            <a:r>
+              <a:rPr lang="en-GB" sz="1200" b="0" dirty="0">
+                <a:solidFill>
+                  <a:srgbClr val="F8F8F2"/>
+                </a:solidFill>
+                <a:effectLst/>
+                <a:latin typeface="Consolas" panose="020B0609020204030204" pitchFamily="49" charset="0"/>
+              </a:rPr>
+              <a:t>&gt;</a:t>
+            </a:r>
+          </a:p>
+          <a:p>
+            <a:pPr marL="742950" lvl="1" indent="-285750" algn="just">
+              <a:buFont typeface="Arial" panose="020B0604020202020204" pitchFamily="34" charset="0"/>
+              <a:buChar char="•"/>
+            </a:pPr>
             <a:endParaRPr lang="en-US" altLang="ko-KR" sz="1600" b="1" dirty="0">
               <a:solidFill>
                 <a:schemeClr val="bg1"/>
@@ -26070,10 +28355,7 @@
             </a:endParaRPr>
           </a:p>
           <a:p>
-            <a:pPr marL="285750" indent="-285750" algn="just">
-              <a:buFont typeface="Arial" panose="020B0604020202020204" pitchFamily="34" charset="0"/>
-              <a:buChar char="•"/>
-            </a:pPr>
+            <a:pPr algn="just"/>
             <a:r>
               <a:rPr lang="en-US" altLang="ko-KR" sz="1600" dirty="0">
                 <a:solidFill>
@@ -26092,6 +28374,99 @@
               </a:rPr>
               <a:t>Services</a:t>
             </a:r>
+            <a:endParaRPr lang="en-US" altLang="ko-KR" sz="1600" dirty="0">
+              <a:solidFill>
+                <a:schemeClr val="bg1"/>
+              </a:solidFill>
+              <a:cs typeface="Arial" pitchFamily="34" charset="0"/>
+            </a:endParaRPr>
+          </a:p>
+          <a:p>
+            <a:pPr marL="742950" lvl="1" indent="-285750" algn="just">
+              <a:buFont typeface="Arial" panose="020B0604020202020204" pitchFamily="34" charset="0"/>
+              <a:buChar char="•"/>
+            </a:pPr>
+            <a:r>
+              <a:rPr lang="en-US" altLang="ko-KR" sz="1600" b="1" dirty="0">
+                <a:solidFill>
+                  <a:schemeClr val="bg1"/>
+                </a:solidFill>
+                <a:cs typeface="Arial" pitchFamily="34" charset="0"/>
+              </a:rPr>
+              <a:t>The problem: </a:t>
+            </a:r>
+            <a:r>
+              <a:rPr lang="en-US" altLang="ko-KR" sz="1600" dirty="0">
+                <a:solidFill>
+                  <a:schemeClr val="bg1"/>
+                </a:solidFill>
+                <a:cs typeface="Arial" pitchFamily="34" charset="0"/>
+              </a:rPr>
+              <a:t>Pages need to communicate after navigation, Child to Child Communication, state management </a:t>
+            </a:r>
+          </a:p>
+          <a:p>
+            <a:pPr marL="742950" lvl="1" indent="-285750" algn="just">
+              <a:buFont typeface="Arial" panose="020B0604020202020204" pitchFamily="34" charset="0"/>
+              <a:buChar char="•"/>
+            </a:pPr>
+            <a:r>
+              <a:rPr lang="en-US" altLang="ko-KR" sz="1600" b="1" dirty="0">
+                <a:solidFill>
+                  <a:schemeClr val="bg1"/>
+                </a:solidFill>
+                <a:cs typeface="Arial" pitchFamily="34" charset="0"/>
+              </a:rPr>
+              <a:t>The solution:</a:t>
+            </a:r>
+            <a:r>
+              <a:rPr lang="en-US" altLang="ko-KR" sz="1600" dirty="0">
+                <a:solidFill>
+                  <a:schemeClr val="bg1"/>
+                </a:solidFill>
+                <a:cs typeface="Arial" pitchFamily="34" charset="0"/>
+              </a:rPr>
+              <a:t> Services, think Singleton (refresh wipes them)</a:t>
+            </a:r>
+          </a:p>
+          <a:p>
+            <a:pPr marL="285750" indent="-285750" algn="just">
+              <a:buFont typeface="Arial" panose="020B0604020202020204" pitchFamily="34" charset="0"/>
+              <a:buChar char="•"/>
+            </a:pPr>
+            <a:endParaRPr lang="en-US" altLang="ko-KR" sz="1600" b="1" dirty="0">
+              <a:solidFill>
+                <a:schemeClr val="bg1"/>
+              </a:solidFill>
+              <a:cs typeface="Arial" pitchFamily="34" charset="0"/>
+            </a:endParaRPr>
+          </a:p>
+          <a:p>
+            <a:pPr algn="just"/>
+            <a:r>
+              <a:rPr lang="en-US" altLang="ko-KR" sz="1600" b="1" dirty="0">
+                <a:solidFill>
+                  <a:schemeClr val="bg1"/>
+                </a:solidFill>
+                <a:cs typeface="Arial" pitchFamily="34" charset="0"/>
+              </a:rPr>
+              <a:t>Lets leave this </a:t>
+            </a:r>
+            <a:r>
+              <a:rPr lang="en-US" altLang="ko-KR" sz="1600" b="1">
+                <a:solidFill>
+                  <a:schemeClr val="bg1"/>
+                </a:solidFill>
+                <a:cs typeface="Arial" pitchFamily="34" charset="0"/>
+              </a:rPr>
+              <a:t>for another day.</a:t>
+            </a:r>
+            <a:endParaRPr lang="en-US" altLang="ko-KR" sz="1600" b="1" dirty="0">
+              <a:solidFill>
+                <a:schemeClr val="bg1"/>
+              </a:solidFill>
+              <a:cs typeface="Arial" pitchFamily="34" charset="0"/>
+            </a:endParaRPr>
           </a:p>
           <a:p>
             <a:pPr marL="285750" indent="-285750" algn="just">
@@ -26160,157 +28535,22 @@
             </a:endParaRPr>
           </a:p>
           <a:p>
-            <a:pPr marL="285750" indent="-285750" algn="just">
-              <a:buFont typeface="Arial" panose="020B0604020202020204" pitchFamily="34" charset="0"/>
-              <a:buChar char="•"/>
-            </a:pPr>
-            <a:endParaRPr lang="ko-KR" altLang="en-US" sz="1400" dirty="0">
+            <a:pPr lvl="2" algn="just"/>
+            <a:endParaRPr lang="en-GB" sz="1600" b="0" dirty="0">
               <a:solidFill>
-                <a:schemeClr val="bg1"/>
+                <a:srgbClr val="FFEE99"/>
               </a:solidFill>
-              <a:cs typeface="Arial" pitchFamily="34" charset="0"/>
+              <a:effectLst/>
+              <a:latin typeface="Consolas" panose="020B0609020204030204" pitchFamily="49" charset="0"/>
             </a:endParaRPr>
           </a:p>
-        </p:txBody>
-      </p:sp>
-      <p:sp>
-        <p:nvSpPr>
-          <p:cNvPr id="9" name="Text Placeholder 4">
-            <a:extLst>
-              <a:ext uri="{FF2B5EF4-FFF2-40B4-BE49-F238E27FC236}">
-                <a16:creationId xmlns:a16="http://schemas.microsoft.com/office/drawing/2014/main" id="{67CFC1CB-8160-4994-AEC6-CB42657B910F}"/>
-              </a:ext>
-            </a:extLst>
-          </p:cNvPr>
-          <p:cNvSpPr txBox="1">
-            <a:spLocks/>
-          </p:cNvSpPr>
-          <p:nvPr/>
-        </p:nvSpPr>
-        <p:spPr>
-          <a:xfrm>
-            <a:off x="962953" y="2765698"/>
-            <a:ext cx="1909868" cy="432048"/>
-          </a:xfrm>
-          <a:prstGeom prst="rect">
-            <a:avLst/>
-          </a:prstGeom>
-        </p:spPr>
-        <p:txBody>
-          <a:bodyPr vert="horz" lIns="91440" tIns="45720" rIns="91440" bIns="45720" rtlCol="0" anchor="ctr"/>
-          <a:lstStyle>
-            <a:defPPr>
-              <a:defRPr lang="en-US"/>
-            </a:defPPr>
-            <a:lvl1pPr marL="0" algn="r" defTabSz="914400" rtl="0" eaLnBrk="1" latinLnBrk="0" hangingPunct="1">
-              <a:defRPr sz="1200" kern="1200">
-                <a:solidFill>
-                  <a:schemeClr val="tx1">
-                    <a:tint val="75000"/>
-                  </a:schemeClr>
-                </a:solidFill>
-                <a:latin typeface="+mn-lt"/>
-                <a:ea typeface="+mn-ea"/>
-                <a:cs typeface="+mn-cs"/>
-              </a:defRPr>
-            </a:lvl1pPr>
-            <a:lvl2pPr marL="457200" algn="l" defTabSz="914400" rtl="0" eaLnBrk="1" latinLnBrk="0" hangingPunct="1">
-              <a:defRPr sz="1800" kern="1200">
-                <a:solidFill>
-                  <a:schemeClr val="tx1"/>
-                </a:solidFill>
-                <a:latin typeface="+mn-lt"/>
-                <a:ea typeface="+mn-ea"/>
-                <a:cs typeface="+mn-cs"/>
-              </a:defRPr>
-            </a:lvl2pPr>
-            <a:lvl3pPr marL="914400" algn="l" defTabSz="914400" rtl="0" eaLnBrk="1" latinLnBrk="0" hangingPunct="1">
-              <a:defRPr sz="1800" kern="1200">
-                <a:solidFill>
-                  <a:schemeClr val="tx1"/>
-                </a:solidFill>
-                <a:latin typeface="+mn-lt"/>
-                <a:ea typeface="+mn-ea"/>
-                <a:cs typeface="+mn-cs"/>
-              </a:defRPr>
-            </a:lvl3pPr>
-            <a:lvl4pPr marL="1371600" algn="l" defTabSz="914400" rtl="0" eaLnBrk="1" latinLnBrk="0" hangingPunct="1">
-              <a:defRPr sz="1800" kern="1200">
-                <a:solidFill>
-                  <a:schemeClr val="tx1"/>
-                </a:solidFill>
-                <a:latin typeface="+mn-lt"/>
-                <a:ea typeface="+mn-ea"/>
-                <a:cs typeface="+mn-cs"/>
-              </a:defRPr>
-            </a:lvl4pPr>
-            <a:lvl5pPr marL="1828800" algn="l" defTabSz="914400" rtl="0" eaLnBrk="1" latinLnBrk="0" hangingPunct="1">
-              <a:defRPr sz="1800" kern="1200">
-                <a:solidFill>
-                  <a:schemeClr val="tx1"/>
-                </a:solidFill>
-                <a:latin typeface="+mn-lt"/>
-                <a:ea typeface="+mn-ea"/>
-                <a:cs typeface="+mn-cs"/>
-              </a:defRPr>
-            </a:lvl5pPr>
-            <a:lvl6pPr marL="2286000" algn="l" defTabSz="914400" rtl="0" eaLnBrk="1" latinLnBrk="0" hangingPunct="1">
-              <a:defRPr sz="1800" kern="1200">
-                <a:solidFill>
-                  <a:schemeClr val="tx1"/>
-                </a:solidFill>
-                <a:latin typeface="+mn-lt"/>
-                <a:ea typeface="+mn-ea"/>
-                <a:cs typeface="+mn-cs"/>
-              </a:defRPr>
-            </a:lvl6pPr>
-            <a:lvl7pPr marL="2743200" algn="l" defTabSz="914400" rtl="0" eaLnBrk="1" latinLnBrk="0" hangingPunct="1">
-              <a:defRPr sz="1800" kern="1200">
-                <a:solidFill>
-                  <a:schemeClr val="tx1"/>
-                </a:solidFill>
-                <a:latin typeface="+mn-lt"/>
-                <a:ea typeface="+mn-ea"/>
-                <a:cs typeface="+mn-cs"/>
-              </a:defRPr>
-            </a:lvl7pPr>
-            <a:lvl8pPr marL="3200400" algn="l" defTabSz="914400" rtl="0" eaLnBrk="1" latinLnBrk="0" hangingPunct="1">
-              <a:defRPr sz="1800" kern="1200">
-                <a:solidFill>
-                  <a:schemeClr val="tx1"/>
-                </a:solidFill>
-                <a:latin typeface="+mn-lt"/>
-                <a:ea typeface="+mn-ea"/>
-                <a:cs typeface="+mn-cs"/>
-              </a:defRPr>
-            </a:lvl8pPr>
-            <a:lvl9pPr marL="3657600" algn="l" defTabSz="914400" rtl="0" eaLnBrk="1" latinLnBrk="0" hangingPunct="1">
-              <a:defRPr sz="1800" kern="1200">
-                <a:solidFill>
-                  <a:schemeClr val="tx1"/>
-                </a:solidFill>
-                <a:latin typeface="+mn-lt"/>
-                <a:ea typeface="+mn-ea"/>
-                <a:cs typeface="+mn-cs"/>
-              </a:defRPr>
-            </a:lvl9pPr>
-          </a:lstStyle>
-          <a:p>
-            <a:pPr algn="l">
-              <a:defRPr/>
-            </a:pPr>
-            <a:r>
-              <a:rPr lang="en-US" altLang="ko-KR" sz="2000" b="1" dirty="0">
-                <a:solidFill>
-                  <a:schemeClr val="bg1"/>
-                </a:solidFill>
-              </a:rPr>
-              <a:t>Overview</a:t>
-            </a:r>
-            <a:endParaRPr lang="en-US" altLang="ko-KR" sz="2400" b="1" dirty="0">
+          <a:p>
+            <a:pPr lvl="2" algn="just"/>
+            <a:endParaRPr lang="en-GB" sz="1600" dirty="0">
               <a:solidFill>
-                <a:schemeClr val="bg1"/>
+                <a:srgbClr val="F8F8F2"/>
               </a:solidFill>
+              <a:latin typeface="Consolas" panose="020B0609020204030204" pitchFamily="49" charset="0"/>
             </a:endParaRPr>
           </a:p>
         </p:txBody>
@@ -26318,20 +28558,20 @@
     </p:spTree>
     <p:extLst>
       <p:ext uri="{BB962C8B-B14F-4D97-AF65-F5344CB8AC3E}">
-        <p14:creationId xmlns:p14="http://schemas.microsoft.com/office/powerpoint/2010/main" val="1273606708"/>
+        <p14:creationId xmlns:p14="http://schemas.microsoft.com/office/powerpoint/2010/main" val="3176275590"/>
       </p:ext>
     </p:extLst>
   </p:cSld>
   <p:clrMapOvr>
     <a:masterClrMapping/>
   </p:clrMapOvr>
-  <mc:AlternateContent xmlns:mc="http://schemas.openxmlformats.org/markup-compatibility/2006" xmlns:p159="http://schemas.microsoft.com/office/powerpoint/2015/09/main">
-    <mc:Choice Requires="p159">
+  <mc:AlternateContent xmlns:mc="http://schemas.openxmlformats.org/markup-compatibility/2006">
+    <mc:Choice xmlns:p159="http://schemas.microsoft.com/office/powerpoint/2015/09/main" Requires="p159">
       <p:transition xmlns:p14="http://schemas.microsoft.com/office/powerpoint/2010/main" spd="slow" p14:dur="2000">
         <p159:morph option="byObject"/>
       </p:transition>
     </mc:Choice>
-    <mc:Fallback xmlns="">
+    <mc:Fallback>
       <p:transition spd="slow">
         <p:fade/>
       </p:transition>

--- a/documentation/Presentations/Angular the Basics.pptx
+++ b/documentation/Presentations/Angular the Basics.pptx
@@ -26182,13 +26182,13 @@
   <p:clrMapOvr>
     <a:masterClrMapping/>
   </p:clrMapOvr>
-  <mc:AlternateContent xmlns:mc="http://schemas.openxmlformats.org/markup-compatibility/2006">
-    <mc:Choice xmlns:p159="http://schemas.microsoft.com/office/powerpoint/2015/09/main" Requires="p159">
+  <mc:AlternateContent xmlns:mc="http://schemas.openxmlformats.org/markup-compatibility/2006" xmlns:p159="http://schemas.microsoft.com/office/powerpoint/2015/09/main">
+    <mc:Choice Requires="p159">
       <p:transition xmlns:p14="http://schemas.microsoft.com/office/powerpoint/2010/main" spd="slow" p14:dur="2000">
         <p159:morph option="byObject"/>
       </p:transition>
     </mc:Choice>
-    <mc:Fallback>
+    <mc:Fallback xmlns="">
       <p:transition spd="slow">
         <p:fade/>
       </p:transition>
@@ -26891,13 +26891,13 @@
   <p:clrMapOvr>
     <a:masterClrMapping/>
   </p:clrMapOvr>
-  <mc:AlternateContent xmlns:mc="http://schemas.openxmlformats.org/markup-compatibility/2006">
-    <mc:Choice xmlns:p159="http://schemas.microsoft.com/office/powerpoint/2015/09/main" Requires="p159">
+  <mc:AlternateContent xmlns:mc="http://schemas.openxmlformats.org/markup-compatibility/2006" xmlns:p159="http://schemas.microsoft.com/office/powerpoint/2015/09/main">
+    <mc:Choice Requires="p159">
       <p:transition xmlns:p14="http://schemas.microsoft.com/office/powerpoint/2010/main" spd="slow" p14:dur="2000">
         <p159:morph option="byObject"/>
       </p:transition>
     </mc:Choice>
-    <mc:Fallback>
+    <mc:Fallback xmlns="">
       <p:transition spd="slow">
         <p:fade/>
       </p:transition>
@@ -27069,7 +27069,7 @@
         <p:spPr>
           <a:xfrm>
             <a:off x="770803" y="1589221"/>
-            <a:ext cx="10842321" cy="5447645"/>
+            <a:ext cx="10842321" cy="4939814"/>
           </a:xfrm>
           <a:prstGeom prst="rect">
             <a:avLst/>
@@ -27797,31 +27797,16 @@
                 </a:solidFill>
                 <a:cs typeface="Arial" pitchFamily="34" charset="0"/>
               </a:rPr>
-              <a:t>Input, Output </a:t>
+              <a:t>Input, </a:t>
             </a:r>
-          </a:p>
-          <a:p>
-            <a:pPr marL="742950" lvl="1" indent="-285750" algn="just">
-              <a:buFont typeface="Arial" panose="020B0604020202020204" pitchFamily="34" charset="0"/>
-              <a:buChar char="•"/>
-            </a:pPr>
             <a:r>
-              <a:rPr lang="en-US" altLang="ko-KR" sz="1400" dirty="0">
+              <a:rPr lang="en-US" altLang="ko-KR" sz="1400">
                 <a:solidFill>
                   <a:schemeClr val="bg1"/>
                 </a:solidFill>
                 <a:cs typeface="Arial" pitchFamily="34" charset="0"/>
               </a:rPr>
-              <a:t>Parent to child (</a:t>
-            </a:r>
-            <a:r>
-              <a:rPr lang="en-US" altLang="ko-KR" sz="1400" b="1" dirty="0">
-                <a:solidFill>
-                  <a:schemeClr val="bg1"/>
-                </a:solidFill>
-                <a:cs typeface="Arial" pitchFamily="34" charset="0"/>
-              </a:rPr>
-              <a:t>Input</a:t>
+              <a:t>Output Parent </a:t>
             </a:r>
             <a:r>
               <a:rPr lang="en-US" altLang="ko-KR" sz="1400" dirty="0">
@@ -27830,22 +27815,7 @@
                 </a:solidFill>
                 <a:cs typeface="Arial" pitchFamily="34" charset="0"/>
               </a:rPr>
-              <a:t>)</a:t>
-            </a:r>
-          </a:p>
-          <a:p>
-            <a:pPr marL="1200150" lvl="2" indent="-285750" algn="just">
-              <a:buFont typeface="Arial" panose="020B0604020202020204" pitchFamily="34" charset="0"/>
-              <a:buChar char="•"/>
-            </a:pPr>
-            <a:r>
-              <a:rPr lang="en-US" altLang="ko-KR" sz="1400" dirty="0">
-                <a:solidFill>
-                  <a:schemeClr val="bg1"/>
-                </a:solidFill>
-                <a:cs typeface="Arial" pitchFamily="34" charset="0"/>
-              </a:rPr>
-              <a:t>Parent to child (</a:t>
+              <a:t>to child (</a:t>
             </a:r>
             <a:r>
               <a:rPr lang="en-US" altLang="ko-KR" sz="1400" b="1" dirty="0">
@@ -27965,13 +27935,13 @@
   <p:clrMapOvr>
     <a:masterClrMapping/>
   </p:clrMapOvr>
-  <mc:AlternateContent xmlns:mc="http://schemas.openxmlformats.org/markup-compatibility/2006">
-    <mc:Choice xmlns:p159="http://schemas.microsoft.com/office/powerpoint/2015/09/main" Requires="p159">
+  <mc:AlternateContent xmlns:mc="http://schemas.openxmlformats.org/markup-compatibility/2006" xmlns:p159="http://schemas.microsoft.com/office/powerpoint/2015/09/main">
+    <mc:Choice Requires="p159">
       <p:transition xmlns:p14="http://schemas.microsoft.com/office/powerpoint/2010/main" spd="slow" p14:dur="2000">
         <p159:morph option="byObject"/>
       </p:transition>
     </mc:Choice>
-    <mc:Fallback>
+    <mc:Fallback xmlns="">
       <p:transition spd="slow">
         <p:fade/>
       </p:transition>
@@ -28143,7 +28113,7 @@
         <p:spPr>
           <a:xfrm>
             <a:off x="770803" y="1589221"/>
-            <a:ext cx="10842321" cy="3970318"/>
+            <a:ext cx="10842321" cy="4955203"/>
           </a:xfrm>
           <a:prstGeom prst="rect">
             <a:avLst/>
@@ -28430,6 +28400,84 @@
             </a:r>
           </a:p>
           <a:p>
+            <a:pPr algn="just"/>
+            <a:endParaRPr lang="en-US" altLang="ko-KR" sz="1600" dirty="0">
+              <a:solidFill>
+                <a:schemeClr val="bg1"/>
+              </a:solidFill>
+              <a:cs typeface="Arial" pitchFamily="34" charset="0"/>
+            </a:endParaRPr>
+          </a:p>
+          <a:p>
+            <a:pPr algn="just"/>
+            <a:r>
+              <a:rPr lang="en-US" altLang="ko-KR" sz="1600" dirty="0">
+                <a:solidFill>
+                  <a:schemeClr val="bg1"/>
+                </a:solidFill>
+                <a:cs typeface="Arial" pitchFamily="34" charset="0"/>
+              </a:rPr>
+              <a:t>Dependency Injection</a:t>
+            </a:r>
+          </a:p>
+          <a:p>
+            <a:pPr marL="742950" lvl="1" indent="-285750" algn="just">
+              <a:buFont typeface="Arial" panose="020B0604020202020204" pitchFamily="34" charset="0"/>
+              <a:buChar char="•"/>
+            </a:pPr>
+            <a:r>
+              <a:rPr lang="en-US" altLang="ko-KR" sz="1600" b="1" dirty="0">
+                <a:solidFill>
+                  <a:schemeClr val="bg1"/>
+                </a:solidFill>
+                <a:cs typeface="Arial" pitchFamily="34" charset="0"/>
+              </a:rPr>
+              <a:t>The problem: </a:t>
+            </a:r>
+            <a:r>
+              <a:rPr lang="en-US" altLang="ko-KR" sz="1600" dirty="0">
+                <a:solidFill>
+                  <a:schemeClr val="bg1"/>
+                </a:solidFill>
+                <a:cs typeface="Arial" pitchFamily="34" charset="0"/>
+              </a:rPr>
+              <a:t>Access to Service </a:t>
+            </a:r>
+          </a:p>
+          <a:p>
+            <a:pPr marL="742950" lvl="1" indent="-285750" algn="just">
+              <a:buFont typeface="Arial" panose="020B0604020202020204" pitchFamily="34" charset="0"/>
+              <a:buChar char="•"/>
+            </a:pPr>
+            <a:r>
+              <a:rPr lang="en-US" altLang="ko-KR" sz="1600" b="1" dirty="0">
+                <a:solidFill>
+                  <a:schemeClr val="bg1"/>
+                </a:solidFill>
+                <a:cs typeface="Arial" pitchFamily="34" charset="0"/>
+              </a:rPr>
+              <a:t>The solution:</a:t>
+            </a:r>
+            <a:r>
+              <a:rPr lang="en-US" altLang="ko-KR" sz="1600" dirty="0">
+                <a:solidFill>
+                  <a:schemeClr val="bg1"/>
+                </a:solidFill>
+                <a:cs typeface="Arial" pitchFamily="34" charset="0"/>
+              </a:rPr>
+              <a:t> Inject them in constructors</a:t>
+            </a:r>
+          </a:p>
+          <a:p>
+            <a:pPr algn="just"/>
+            <a:endParaRPr lang="en-US" altLang="ko-KR" sz="1600" dirty="0">
+              <a:solidFill>
+                <a:schemeClr val="bg1"/>
+              </a:solidFill>
+              <a:cs typeface="Arial" pitchFamily="34" charset="0"/>
+            </a:endParaRPr>
+          </a:p>
+          <a:p>
             <a:pPr marL="285750" indent="-285750" algn="just">
               <a:buFont typeface="Arial" panose="020B0604020202020204" pitchFamily="34" charset="0"/>
               <a:buChar char="•"/>
@@ -28450,37 +28498,7 @@
                 </a:solidFill>
                 <a:cs typeface="Arial" pitchFamily="34" charset="0"/>
               </a:rPr>
-              <a:t>Lets leave this </a:t>
-            </a:r>
-            <a:r>
-              <a:rPr lang="en-US" altLang="ko-KR" sz="1600" b="1">
-                <a:solidFill>
-                  <a:schemeClr val="bg1"/>
-                </a:solidFill>
-                <a:cs typeface="Arial" pitchFamily="34" charset="0"/>
-              </a:rPr>
-              <a:t>for another day.</a:t>
-            </a:r>
-            <a:endParaRPr lang="en-US" altLang="ko-KR" sz="1600" b="1" dirty="0">
-              <a:solidFill>
-                <a:schemeClr val="bg1"/>
-              </a:solidFill>
-              <a:cs typeface="Arial" pitchFamily="34" charset="0"/>
-            </a:endParaRPr>
-          </a:p>
-          <a:p>
-            <a:pPr marL="285750" indent="-285750" algn="just">
-              <a:buFont typeface="Arial" panose="020B0604020202020204" pitchFamily="34" charset="0"/>
-              <a:buChar char="•"/>
-            </a:pPr>
-            <a:r>
-              <a:rPr lang="en-US" altLang="ko-KR" sz="1600" dirty="0">
-                <a:solidFill>
-                  <a:schemeClr val="bg1"/>
-                </a:solidFill>
-                <a:cs typeface="Arial" pitchFamily="34" charset="0"/>
-              </a:rPr>
-              <a:t>Dependency Injection</a:t>
+              <a:t>Lets leave this for another day.</a:t>
             </a:r>
           </a:p>
           <a:p>
@@ -28565,13 +28583,13 @@
   <p:clrMapOvr>
     <a:masterClrMapping/>
   </p:clrMapOvr>
-  <mc:AlternateContent xmlns:mc="http://schemas.openxmlformats.org/markup-compatibility/2006">
-    <mc:Choice xmlns:p159="http://schemas.microsoft.com/office/powerpoint/2015/09/main" Requires="p159">
+  <mc:AlternateContent xmlns:mc="http://schemas.openxmlformats.org/markup-compatibility/2006" xmlns:p159="http://schemas.microsoft.com/office/powerpoint/2015/09/main">
+    <mc:Choice Requires="p159">
       <p:transition xmlns:p14="http://schemas.microsoft.com/office/powerpoint/2010/main" spd="slow" p14:dur="2000">
         <p159:morph option="byObject"/>
       </p:transition>
     </mc:Choice>
-    <mc:Fallback>
+    <mc:Fallback xmlns="">
       <p:transition spd="slow">
         <p:fade/>
       </p:transition>
